--- a/docs/Presentation.pptx
+++ b/docs/Presentation.pptx
@@ -8,12 +8,15 @@
     <p:sldId id="256" r:id="rId2"/>
     <p:sldId id="257" r:id="rId3"/>
     <p:sldId id="264" r:id="rId4"/>
-    <p:sldId id="258" r:id="rId5"/>
-    <p:sldId id="259" r:id="rId6"/>
-    <p:sldId id="262" r:id="rId7"/>
-    <p:sldId id="261" r:id="rId8"/>
-    <p:sldId id="260" r:id="rId9"/>
-    <p:sldId id="263" r:id="rId10"/>
+    <p:sldId id="266" r:id="rId5"/>
+    <p:sldId id="258" r:id="rId6"/>
+    <p:sldId id="265" r:id="rId7"/>
+    <p:sldId id="267" r:id="rId8"/>
+    <p:sldId id="259" r:id="rId9"/>
+    <p:sldId id="262" r:id="rId10"/>
+    <p:sldId id="261" r:id="rId11"/>
+    <p:sldId id="260" r:id="rId12"/>
+    <p:sldId id="263" r:id="rId13"/>
   </p:sldIdLst>
   <p:sldSz cx="9144000" cy="6858000" type="screen4x3"/>
   <p:notesSz cx="6858000" cy="9144000"/>
@@ -117,6 +120,7 @@
 
 <file path=ppt/charts/chart1.xml><?xml version="1.0" encoding="utf-8"?>
 <c:chartSpace xmlns:c="http://schemas.openxmlformats.org/drawingml/2006/chart" xmlns:a="http://schemas.openxmlformats.org/drawingml/2006/main" xmlns:r="http://schemas.openxmlformats.org/officeDocument/2006/relationships">
+  <c:date1904 val="1"/>
   <c:lang val="en-US"/>
   <c:chart>
     <c:title>
@@ -176,7 +180,7 @@
                 <c:formatCode>0.00</c:formatCode>
                 <c:ptCount val="1"/>
                 <c:pt idx="0">
-                  <c:v>61.998095999999997</c:v>
+                  <c:v>61.998096000000011</c:v>
                 </c:pt>
               </c:numCache>
             </c:numRef>
@@ -211,30 +215,30 @@
                 <c:formatCode>0.00</c:formatCode>
                 <c:ptCount val="1"/>
                 <c:pt idx="0">
-                  <c:v>1244.5214120000001</c:v>
+                  <c:v>1244.5214119999998</c:v>
                 </c:pt>
               </c:numCache>
             </c:numRef>
           </c:val>
         </c:ser>
-        <c:axId val="73831552"/>
-        <c:axId val="74258688"/>
+        <c:axId val="81595392"/>
+        <c:axId val="81609472"/>
       </c:barChart>
       <c:catAx>
-        <c:axId val="73831552"/>
+        <c:axId val="81595392"/>
         <c:scaling>
           <c:orientation val="minMax"/>
         </c:scaling>
         <c:axPos val="b"/>
         <c:tickLblPos val="nextTo"/>
-        <c:crossAx val="74258688"/>
+        <c:crossAx val="81609472"/>
         <c:crosses val="autoZero"/>
         <c:auto val="1"/>
         <c:lblAlgn val="ctr"/>
         <c:lblOffset val="100"/>
       </c:catAx>
       <c:valAx>
-        <c:axId val="74258688"/>
+        <c:axId val="81609472"/>
         <c:scaling>
           <c:orientation val="minMax"/>
           <c:min val="0"/>
@@ -261,7 +265,7 @@
         </c:title>
         <c:numFmt formatCode="0.00" sourceLinked="1"/>
         <c:tickLblPos val="nextTo"/>
-        <c:crossAx val="73831552"/>
+        <c:crossAx val="81595392"/>
         <c:crosses val="autoZero"/>
         <c:crossBetween val="between"/>
       </c:valAx>
@@ -278,6 +282,7 @@
 
 <file path=ppt/charts/chart2.xml><?xml version="1.0" encoding="utf-8"?>
 <c:chartSpace xmlns:c="http://schemas.openxmlformats.org/drawingml/2006/chart" xmlns:a="http://schemas.openxmlformats.org/drawingml/2006/main" xmlns:r="http://schemas.openxmlformats.org/officeDocument/2006/relationships">
+  <c:date1904 val="1"/>
   <c:lang val="en-US"/>
   <c:chart>
     <c:title>
@@ -306,7 +311,7 @@
           <c:xMode val="edge"/>
           <c:yMode val="edge"/>
           <c:x val="0.11545144356955382"/>
-          <c:y val="3.2407407407407419E-2"/>
+          <c:y val="3.2407407407407426E-2"/>
         </c:manualLayout>
       </c:layout>
     </c:title>
@@ -353,36 +358,36 @@
                 <c:formatCode>0.00</c:formatCode>
                 <c:ptCount val="3"/>
                 <c:pt idx="0">
-                  <c:v>130.306026</c:v>
+                  <c:v>130.30602600000003</c:v>
                 </c:pt>
                 <c:pt idx="1">
                   <c:v>63.991622000000007</c:v>
                 </c:pt>
                 <c:pt idx="2">
-                  <c:v>61.998095999999997</c:v>
+                  <c:v>61.998096000000011</c:v>
                 </c:pt>
               </c:numCache>
             </c:numRef>
           </c:val>
         </c:ser>
-        <c:axId val="50544640"/>
-        <c:axId val="50687360"/>
+        <c:axId val="81622912"/>
+        <c:axId val="81624448"/>
       </c:barChart>
       <c:catAx>
-        <c:axId val="50544640"/>
+        <c:axId val="81622912"/>
         <c:scaling>
           <c:orientation val="minMax"/>
         </c:scaling>
         <c:axPos val="b"/>
         <c:tickLblPos val="nextTo"/>
-        <c:crossAx val="50687360"/>
+        <c:crossAx val="81624448"/>
         <c:crosses val="autoZero"/>
         <c:auto val="1"/>
         <c:lblAlgn val="ctr"/>
         <c:lblOffset val="100"/>
       </c:catAx>
       <c:valAx>
-        <c:axId val="50687360"/>
+        <c:axId val="81624448"/>
         <c:scaling>
           <c:orientation val="minMax"/>
           <c:min val="0"/>
@@ -409,7 +414,7 @@
         </c:title>
         <c:numFmt formatCode="0.00" sourceLinked="1"/>
         <c:tickLblPos val="nextTo"/>
-        <c:crossAx val="50544640"/>
+        <c:crossAx val="81622912"/>
         <c:crosses val="autoZero"/>
         <c:crossBetween val="between"/>
       </c:valAx>
@@ -705,7 +710,7 @@
             <a:fld id="{1D8BD707-D9CF-40AE-B4C6-C98DA3205C09}" type="datetimeFigureOut">
               <a:rPr lang="en-US" smtClean="0"/>
               <a:pPr/>
-              <a:t>5/24/2011</a:t>
+              <a:t>5/26/2011</a:t>
             </a:fld>
             <a:endParaRPr lang="en-US"/>
           </a:p>
@@ -1100,7 +1105,7 @@
             <a:fld id="{1D8BD707-D9CF-40AE-B4C6-C98DA3205C09}" type="datetimeFigureOut">
               <a:rPr lang="en-US" smtClean="0"/>
               <a:pPr/>
-              <a:t>5/24/2011</a:t>
+              <a:t>5/26/2011</a:t>
             </a:fld>
             <a:endParaRPr lang="en-US"/>
           </a:p>
@@ -1635,7 +1640,7 @@
             <a:fld id="{1D8BD707-D9CF-40AE-B4C6-C98DA3205C09}" type="datetimeFigureOut">
               <a:rPr lang="en-US" smtClean="0"/>
               <a:pPr/>
-              <a:t>5/24/2011</a:t>
+              <a:t>5/26/2011</a:t>
             </a:fld>
             <a:endParaRPr lang="en-US"/>
           </a:p>
@@ -1769,7 +1774,7 @@
             <a:fld id="{1D8BD707-D9CF-40AE-B4C6-C98DA3205C09}" type="datetimeFigureOut">
               <a:rPr lang="en-US" smtClean="0"/>
               <a:pPr/>
-              <a:t>5/24/2011</a:t>
+              <a:t>5/26/2011</a:t>
             </a:fld>
             <a:endParaRPr lang="en-US"/>
           </a:p>
@@ -2314,7 +2319,7 @@
             <a:fld id="{1D8BD707-D9CF-40AE-B4C6-C98DA3205C09}" type="datetimeFigureOut">
               <a:rPr lang="en-US" smtClean="0"/>
               <a:pPr/>
-              <a:t>5/24/2011</a:t>
+              <a:t>5/26/2011</a:t>
             </a:fld>
             <a:endParaRPr lang="en-US"/>
           </a:p>
@@ -2611,7 +2616,7 @@
             <a:fld id="{1D8BD707-D9CF-40AE-B4C6-C98DA3205C09}" type="datetimeFigureOut">
               <a:rPr lang="en-US" smtClean="0"/>
               <a:pPr/>
-              <a:t>5/24/2011</a:t>
+              <a:t>5/26/2011</a:t>
             </a:fld>
             <a:endParaRPr lang="en-US"/>
           </a:p>
@@ -3272,7 +3277,7 @@
             <a:fld id="{1D8BD707-D9CF-40AE-B4C6-C98DA3205C09}" type="datetimeFigureOut">
               <a:rPr lang="en-US" smtClean="0"/>
               <a:pPr/>
-              <a:t>5/24/2011</a:t>
+              <a:t>5/26/2011</a:t>
             </a:fld>
             <a:endParaRPr lang="en-US"/>
           </a:p>
@@ -3710,7 +3715,7 @@
             <a:fld id="{1D8BD707-D9CF-40AE-B4C6-C98DA3205C09}" type="datetimeFigureOut">
               <a:rPr lang="en-US" smtClean="0"/>
               <a:pPr/>
-              <a:t>5/24/2011</a:t>
+              <a:t>5/26/2011</a:t>
             </a:fld>
             <a:endParaRPr lang="en-US"/>
           </a:p>
@@ -4025,7 +4030,7 @@
             <a:fld id="{1D8BD707-D9CF-40AE-B4C6-C98DA3205C09}" type="datetimeFigureOut">
               <a:rPr lang="en-US" smtClean="0"/>
               <a:pPr/>
-              <a:t>5/24/2011</a:t>
+              <a:t>5/26/2011</a:t>
             </a:fld>
             <a:endParaRPr lang="en-US"/>
           </a:p>
@@ -4760,7 +4765,7 @@
             <a:fld id="{1D8BD707-D9CF-40AE-B4C6-C98DA3205C09}" type="datetimeFigureOut">
               <a:rPr lang="en-US" smtClean="0"/>
               <a:pPr/>
-              <a:t>5/24/2011</a:t>
+              <a:t>5/26/2011</a:t>
             </a:fld>
             <a:endParaRPr lang="en-US"/>
           </a:p>
@@ -5426,7 +5431,7 @@
             <a:fld id="{1D8BD707-D9CF-40AE-B4C6-C98DA3205C09}" type="datetimeFigureOut">
               <a:rPr lang="en-US" smtClean="0"/>
               <a:pPr/>
-              <a:t>5/24/2011</a:t>
+              <a:t>5/26/2011</a:t>
             </a:fld>
             <a:endParaRPr lang="en-US"/>
           </a:p>
@@ -5700,7 +5705,7 @@
             <a:fld id="{1D8BD707-D9CF-40AE-B4C6-C98DA3205C09}" type="datetimeFigureOut">
               <a:rPr lang="en-US" smtClean="0"/>
               <a:pPr/>
-              <a:t>5/24/2011</a:t>
+              <a:t>5/26/2011</a:t>
             </a:fld>
             <a:endParaRPr lang="en-US"/>
           </a:p>
@@ -6461,6 +6466,263 @@
 </p:sld>
 </file>
 
+<file path=ppt/slides/slide10.xml><?xml version="1.0" encoding="utf-8"?>
+<p:sld xmlns:a="http://schemas.openxmlformats.org/drawingml/2006/main" xmlns:r="http://schemas.openxmlformats.org/officeDocument/2006/relationships" xmlns:p="http://schemas.openxmlformats.org/presentationml/2006/main">
+  <p:cSld>
+    <p:spTree>
+      <p:nvGrpSpPr>
+        <p:cNvPr id="1" name=""/>
+        <p:cNvGrpSpPr/>
+        <p:nvPr/>
+      </p:nvGrpSpPr>
+      <p:grpSpPr>
+        <a:xfrm>
+          <a:off x="0" y="0"/>
+          <a:ext cx="0" cy="0"/>
+          <a:chOff x="0" y="0"/>
+          <a:chExt cx="0" cy="0"/>
+        </a:xfrm>
+      </p:grpSpPr>
+      <p:sp>
+        <p:nvSpPr>
+          <p:cNvPr id="2" name="Title 1"/>
+          <p:cNvSpPr>
+            <a:spLocks noGrp="1"/>
+          </p:cNvSpPr>
+          <p:nvPr>
+            <p:ph type="title"/>
+          </p:nvPr>
+        </p:nvSpPr>
+        <p:spPr/>
+        <p:txBody>
+          <a:bodyPr/>
+          <a:lstStyle/>
+          <a:p>
+            <a:r>
+              <a:rPr lang="en-US" dirty="0" smtClean="0"/>
+              <a:t>Improvements</a:t>
+            </a:r>
+            <a:endParaRPr lang="en-US" dirty="0"/>
+          </a:p>
+        </p:txBody>
+      </p:sp>
+      <p:sp>
+        <p:nvSpPr>
+          <p:cNvPr id="5" name="Content Placeholder 4"/>
+          <p:cNvSpPr>
+            <a:spLocks noGrp="1"/>
+          </p:cNvSpPr>
+          <p:nvPr>
+            <p:ph sz="quarter" idx="1"/>
+          </p:nvPr>
+        </p:nvSpPr>
+        <p:spPr/>
+        <p:txBody>
+          <a:bodyPr/>
+          <a:lstStyle/>
+          <a:p>
+            <a:pPr marL="514350" indent="-514350">
+              <a:buFont typeface="+mj-lt"/>
+              <a:buAutoNum type="arabicPeriod"/>
+            </a:pPr>
+            <a:r>
+              <a:rPr lang="en-US" dirty="0" smtClean="0"/>
+              <a:t>Adjust global work size</a:t>
+            </a:r>
+          </a:p>
+          <a:p>
+            <a:pPr marL="788670" lvl="1" indent="-514350">
+              <a:buFont typeface="+mj-lt"/>
+              <a:buAutoNum type="arabicPeriod"/>
+            </a:pPr>
+            <a:r>
+              <a:rPr lang="en-US" dirty="0" smtClean="0"/>
+              <a:t>Initially: used constant (2048) </a:t>
+            </a:r>
+          </a:p>
+          <a:p>
+            <a:pPr marL="788670" lvl="1" indent="-514350">
+              <a:buFont typeface="+mj-lt"/>
+              <a:buAutoNum type="arabicPeriod"/>
+            </a:pPr>
+            <a:r>
+              <a:rPr lang="en-US" dirty="0" smtClean="0"/>
+              <a:t>Optimized: limited by the available memory</a:t>
+            </a:r>
+          </a:p>
+          <a:p>
+            <a:pPr marL="514350" indent="-514350">
+              <a:buFont typeface="+mj-lt"/>
+              <a:buAutoNum type="arabicPeriod"/>
+            </a:pPr>
+            <a:r>
+              <a:rPr lang="en-US" dirty="0" smtClean="0"/>
+              <a:t>Return (optionally) byte4 rather than float4 from GPU</a:t>
+            </a:r>
+            <a:endParaRPr lang="en-US" dirty="0" smtClean="0"/>
+          </a:p>
+        </p:txBody>
+      </p:sp>
+    </p:spTree>
+  </p:cSld>
+  <p:clrMapOvr>
+    <a:masterClrMapping/>
+  </p:clrMapOvr>
+</p:sld>
+</file>
+
+<file path=ppt/slides/slide11.xml><?xml version="1.0" encoding="utf-8"?>
+<p:sld xmlns:a="http://schemas.openxmlformats.org/drawingml/2006/main" xmlns:r="http://schemas.openxmlformats.org/officeDocument/2006/relationships" xmlns:p="http://schemas.openxmlformats.org/presentationml/2006/main">
+  <p:cSld>
+    <p:spTree>
+      <p:nvGrpSpPr>
+        <p:cNvPr id="1" name=""/>
+        <p:cNvGrpSpPr/>
+        <p:nvPr/>
+      </p:nvGrpSpPr>
+      <p:grpSpPr>
+        <a:xfrm>
+          <a:off x="0" y="0"/>
+          <a:ext cx="0" cy="0"/>
+          <a:chOff x="0" y="0"/>
+          <a:chExt cx="0" cy="0"/>
+        </a:xfrm>
+      </p:grpSpPr>
+      <p:sp>
+        <p:nvSpPr>
+          <p:cNvPr id="2" name="Title 1"/>
+          <p:cNvSpPr>
+            <a:spLocks noGrp="1"/>
+          </p:cNvSpPr>
+          <p:nvPr>
+            <p:ph type="title"/>
+          </p:nvPr>
+        </p:nvSpPr>
+        <p:spPr/>
+        <p:txBody>
+          <a:bodyPr/>
+          <a:lstStyle/>
+          <a:p>
+            <a:r>
+              <a:rPr lang="en-US" dirty="0" smtClean="0"/>
+              <a:t>Improvements</a:t>
+            </a:r>
+            <a:endParaRPr lang="en-US" dirty="0"/>
+          </a:p>
+        </p:txBody>
+      </p:sp>
+      <p:graphicFrame>
+        <p:nvGraphicFramePr>
+          <p:cNvPr id="4" name="Content Placeholder 3"/>
+          <p:cNvGraphicFramePr>
+            <a:graphicFrameLocks noGrp="1"/>
+          </p:cNvGraphicFramePr>
+          <p:nvPr>
+            <p:ph sz="quarter" idx="1"/>
+          </p:nvPr>
+        </p:nvGraphicFramePr>
+        <p:xfrm>
+          <a:off x="301625" y="1527175"/>
+          <a:ext cx="8504238" cy="4572000"/>
+        </p:xfrm>
+        <a:graphic>
+          <a:graphicData uri="http://schemas.openxmlformats.org/drawingml/2006/chart">
+            <c:chart xmlns:c="http://schemas.openxmlformats.org/drawingml/2006/chart" xmlns:r="http://schemas.openxmlformats.org/officeDocument/2006/relationships" r:id="rId2"/>
+          </a:graphicData>
+        </a:graphic>
+      </p:graphicFrame>
+    </p:spTree>
+  </p:cSld>
+  <p:clrMapOvr>
+    <a:masterClrMapping/>
+  </p:clrMapOvr>
+</p:sld>
+</file>
+
+<file path=ppt/slides/slide12.xml><?xml version="1.0" encoding="utf-8"?>
+<p:sld xmlns:a="http://schemas.openxmlformats.org/drawingml/2006/main" xmlns:r="http://schemas.openxmlformats.org/officeDocument/2006/relationships" xmlns:p="http://schemas.openxmlformats.org/presentationml/2006/main">
+  <p:cSld>
+    <p:spTree>
+      <p:nvGrpSpPr>
+        <p:cNvPr id="1" name=""/>
+        <p:cNvGrpSpPr/>
+        <p:nvPr/>
+      </p:nvGrpSpPr>
+      <p:grpSpPr>
+        <a:xfrm>
+          <a:off x="0" y="0"/>
+          <a:ext cx="0" cy="0"/>
+          <a:chOff x="0" y="0"/>
+          <a:chExt cx="0" cy="0"/>
+        </a:xfrm>
+      </p:grpSpPr>
+      <p:sp>
+        <p:nvSpPr>
+          <p:cNvPr id="2" name="Title 1"/>
+          <p:cNvSpPr>
+            <a:spLocks noGrp="1"/>
+          </p:cNvSpPr>
+          <p:nvPr>
+            <p:ph type="title"/>
+          </p:nvPr>
+        </p:nvSpPr>
+        <p:spPr/>
+        <p:txBody>
+          <a:bodyPr/>
+          <a:lstStyle/>
+          <a:p>
+            <a:r>
+              <a:rPr lang="en-US" dirty="0" smtClean="0"/>
+              <a:t>Summary</a:t>
+            </a:r>
+            <a:endParaRPr lang="en-US" dirty="0"/>
+          </a:p>
+        </p:txBody>
+      </p:sp>
+      <p:sp>
+        <p:nvSpPr>
+          <p:cNvPr id="5" name="Content Placeholder 4"/>
+          <p:cNvSpPr>
+            <a:spLocks noGrp="1"/>
+          </p:cNvSpPr>
+          <p:nvPr>
+            <p:ph sz="quarter" idx="1"/>
+          </p:nvPr>
+        </p:nvSpPr>
+        <p:spPr/>
+        <p:txBody>
+          <a:bodyPr/>
+          <a:lstStyle/>
+          <a:p>
+            <a:r>
+              <a:rPr lang="en-US" dirty="0" smtClean="0"/>
+              <a:t>Impressive speedup</a:t>
+            </a:r>
+          </a:p>
+          <a:p>
+            <a:r>
+              <a:rPr lang="en-US" dirty="0" smtClean="0"/>
+              <a:t>Extremely parallel program</a:t>
+            </a:r>
+          </a:p>
+          <a:p>
+            <a:pPr lvl="1"/>
+            <a:r>
+              <a:rPr lang="en-US" dirty="0" smtClean="0"/>
+              <a:t>Algorithms chosen to avoid any global operations</a:t>
+            </a:r>
+            <a:endParaRPr lang="en-US" dirty="0"/>
+          </a:p>
+        </p:txBody>
+      </p:sp>
+    </p:spTree>
+  </p:cSld>
+  <p:clrMapOvr>
+    <a:masterClrMapping/>
+  </p:clrMapOvr>
+</p:sld>
+</file>
+
 <file path=ppt/slides/slide2.xml><?xml version="1.0" encoding="utf-8"?>
 <p:sld xmlns:a="http://schemas.openxmlformats.org/drawingml/2006/main" xmlns:r="http://schemas.openxmlformats.org/officeDocument/2006/relationships" xmlns:p="http://schemas.openxmlformats.org/presentationml/2006/main">
   <p:cSld>
@@ -6518,37 +6780,19 @@
           <a:p>
             <a:r>
               <a:rPr lang="en-US" dirty="0" smtClean="0"/>
-              <a:t>Coherent </a:t>
-            </a:r>
-            <a:r>
-              <a:rPr lang="en-US" dirty="0" smtClean="0"/>
-              <a:t>noise used </a:t>
-            </a:r>
-            <a:r>
-              <a:rPr lang="en-US" dirty="0" smtClean="0"/>
-              <a:t>for a wide range of tasks including terrain generation and natural looking texture generation. </a:t>
-            </a:r>
-            <a:endParaRPr lang="en-US" dirty="0" smtClean="0"/>
-          </a:p>
-          <a:p>
-            <a:r>
-              <a:rPr lang="en-US" dirty="0" smtClean="0"/>
-              <a:t>Generating </a:t>
-            </a:r>
-            <a:r>
-              <a:rPr lang="en-US" dirty="0" smtClean="0"/>
-              <a:t>coherent noise consists of many operations at thousands of points and is therefore computationally expensive. </a:t>
-            </a:r>
-            <a:endParaRPr lang="en-US" dirty="0" smtClean="0"/>
-          </a:p>
-          <a:p>
-            <a:r>
-              <a:rPr lang="en-US" dirty="0" smtClean="0"/>
-              <a:t>There </a:t>
-            </a:r>
-            <a:r>
-              <a:rPr lang="en-US" dirty="0" smtClean="0"/>
-              <a:t>are several popular open source coherent noise generations targeting the CPU (http://libnoise.sourceforge.net/) but none targeting the GPU. </a:t>
+              <a:t>Coherent noise used for a wide range of tasks including terrain generation and natural looking texture generation. </a:t>
+            </a:r>
+          </a:p>
+          <a:p>
+            <a:r>
+              <a:rPr lang="en-US" dirty="0" smtClean="0"/>
+              <a:t>Generating coherent noise consists of many operations at thousands of points and is therefore computationally expensive. </a:t>
+            </a:r>
+          </a:p>
+          <a:p>
+            <a:r>
+              <a:rPr lang="en-US" dirty="0" smtClean="0"/>
+              <a:t>There are several popular open source coherent noise generations targeting the CPU (http://libnoise.sourceforge.net/) but none targeting the GPU. </a:t>
             </a:r>
             <a:endParaRPr lang="en-US" dirty="0"/>
           </a:p>
@@ -6763,11 +7007,7 @@
           <a:bodyPr/>
           <a:lstStyle/>
           <a:p>
-            <a:r>
-              <a:rPr lang="en-US" dirty="0" smtClean="0"/>
-              <a:t>Approach</a:t>
-            </a:r>
-            <a:endParaRPr lang="en-US" dirty="0"/>
+            <a:endParaRPr lang="en-US"/>
           </a:p>
         </p:txBody>
       </p:sp>
@@ -6783,85 +7023,45 @@
         </p:nvSpPr>
         <p:spPr/>
         <p:txBody>
-          <a:bodyPr>
-            <a:normAutofit fontScale="70000" lnSpcReduction="20000"/>
-          </a:bodyPr>
-          <a:lstStyle/>
-          <a:p>
-            <a:r>
-              <a:rPr lang="en-US" dirty="0" smtClean="0"/>
-              <a:t>We decided to use </a:t>
-            </a:r>
+          <a:bodyPr/>
+          <a:lstStyle/>
+          <a:p>
+            <a:pPr>
+              <a:buNone/>
+            </a:pPr>
             <a:r>
               <a:rPr lang="en-US" dirty="0" err="1" smtClean="0"/>
-              <a:t>OpenCL</a:t>
-            </a:r>
-            <a:r>
-              <a:rPr lang="en-US" dirty="0" smtClean="0"/>
-              <a:t> rather than CUDA because </a:t>
-            </a:r>
-            <a:r>
-              <a:rPr lang="en-US" dirty="0" err="1" smtClean="0"/>
-              <a:t>OpenCL</a:t>
-            </a:r>
-            <a:r>
-              <a:rPr lang="en-US" dirty="0" smtClean="0"/>
-              <a:t> hardware is more readily available</a:t>
-            </a:r>
-          </a:p>
-          <a:p>
-            <a:r>
-              <a:rPr lang="en-US" dirty="0" smtClean="0"/>
-              <a:t>A directed graph with no cycles is the most flexible structure for combining different noise functions but is complex to construct and evaluate. Therefore, our library will restrict noise function graphs to directed trees.</a:t>
-            </a:r>
-          </a:p>
-          <a:p>
-            <a:r>
-              <a:rPr lang="en-US" dirty="0" smtClean="0"/>
-              <a:t> The </a:t>
-            </a:r>
-            <a:r>
-              <a:rPr lang="en-US" dirty="0" smtClean="0"/>
-              <a:t>code which evaluates the noise functions will be written in </a:t>
-            </a:r>
-            <a:r>
-              <a:rPr lang="en-US" dirty="0" err="1" smtClean="0"/>
-              <a:t>OpenCL</a:t>
-            </a:r>
-            <a:r>
-              <a:rPr lang="en-US" dirty="0" smtClean="0"/>
-              <a:t>. </a:t>
-            </a:r>
-            <a:r>
-              <a:rPr lang="en-US" dirty="0" err="1" smtClean="0"/>
-              <a:t>OpenCL</a:t>
-            </a:r>
-            <a:r>
-              <a:rPr lang="en-US" dirty="0" smtClean="0"/>
-              <a:t> does not have support for function pointers or anything similar so in order to enable different trees to be constructed the source code for the trees will have to be generated at runtime. This should not be an issue because </a:t>
-            </a:r>
-            <a:r>
-              <a:rPr lang="en-US" dirty="0" err="1" smtClean="0"/>
-              <a:t>OpenCL</a:t>
-            </a:r>
-            <a:r>
-              <a:rPr lang="en-US" dirty="0" smtClean="0"/>
-              <a:t> allows runtime compilation. Python will be used to construct, compile, and run graphs</a:t>
-            </a:r>
-            <a:r>
-              <a:rPr lang="en-US" dirty="0" smtClean="0"/>
-              <a:t>.</a:t>
-            </a:r>
+              <a:t>Minecraft</a:t>
+            </a:r>
+            <a:r>
+              <a:rPr lang="en-US" dirty="0" smtClean="0"/>
+              <a:t>!</a:t>
+            </a:r>
+          </a:p>
+          <a:p>
+            <a:pPr>
+              <a:buNone/>
+            </a:pPr>
             <a:endParaRPr lang="en-US" dirty="0" smtClean="0"/>
           </a:p>
           <a:p>
-            <a:r>
-              <a:rPr lang="en-US" dirty="0" smtClean="0"/>
-              <a:t>In order to best utilize Python’s interactive nature and allow users to interactively design noise trees, the trees will be created by populating a stack. This will allow users to easily design noise trees without a GUI using python code. For example the noise tree</a:t>
-            </a:r>
-          </a:p>
-          <a:p>
-            <a:endParaRPr lang="en-US" dirty="0"/>
+            <a:pPr>
+              <a:buNone/>
+            </a:pPr>
+            <a:r>
+              <a:rPr lang="en-US" dirty="0" smtClean="0"/>
+              <a:t>Log on to:</a:t>
+            </a:r>
+          </a:p>
+          <a:p>
+            <a:pPr algn="ctr">
+              <a:buNone/>
+            </a:pPr>
+            <a:r>
+              <a:rPr lang="en-US" sz="7200" dirty="0" smtClean="0"/>
+              <a:t>aftbit.com</a:t>
+            </a:r>
+            <a:endParaRPr lang="en-US" sz="7200" dirty="0"/>
           </a:p>
         </p:txBody>
       </p:sp>
@@ -6907,7 +7107,7 @@
           <a:p>
             <a:r>
               <a:rPr lang="en-US" dirty="0" smtClean="0"/>
-              <a:t>Results</a:t>
+              <a:t>Approach</a:t>
             </a:r>
             <a:endParaRPr lang="en-US" dirty="0"/>
           </a:p>
@@ -6915,7 +7115,7 @@
       </p:sp>
       <p:sp>
         <p:nvSpPr>
-          <p:cNvPr id="5" name="Content Placeholder 4"/>
+          <p:cNvPr id="3" name="Content Placeholder 2"/>
           <p:cNvSpPr>
             <a:spLocks noGrp="1"/>
           </p:cNvSpPr>
@@ -6925,37 +7125,80 @@
         </p:nvSpPr>
         <p:spPr/>
         <p:txBody>
-          <a:bodyPr/>
-          <a:lstStyle/>
-          <a:p>
-            <a:r>
-              <a:rPr lang="en-US" dirty="0" smtClean="0"/>
-              <a:t>NVIDIA </a:t>
-            </a:r>
-            <a:r>
-              <a:rPr lang="en-US" dirty="0" smtClean="0"/>
-              <a:t>has written a driver that will allow </a:t>
-            </a:r>
+          <a:bodyPr>
+            <a:normAutofit/>
+          </a:bodyPr>
+          <a:lstStyle/>
+          <a:p>
             <a:r>
               <a:rPr lang="en-US" dirty="0" err="1" smtClean="0"/>
               <a:t>OpenCL</a:t>
             </a:r>
             <a:r>
               <a:rPr lang="en-US" dirty="0" smtClean="0"/>
-              <a:t> to run on the CPU. </a:t>
-            </a:r>
-            <a:endParaRPr lang="en-US" dirty="0" smtClean="0"/>
-          </a:p>
-          <a:p>
-            <a:r>
-              <a:rPr lang="en-US" dirty="0" smtClean="0"/>
-              <a:t>We verified </a:t>
-            </a:r>
-            <a:r>
-              <a:rPr lang="en-US" dirty="0" smtClean="0"/>
-              <a:t>our performance improvement by running our code on the CPU using NVIDIA’s driver and comparing the results to our code running on the GPU.  </a:t>
-            </a:r>
-            <a:endParaRPr lang="en-US" dirty="0"/>
+              <a:t>: hardware availability</a:t>
+            </a:r>
+          </a:p>
+          <a:p>
+            <a:r>
+              <a:rPr lang="en-US" dirty="0" smtClean="0"/>
+              <a:t>DAG most flexible, but hard to construct</a:t>
+            </a:r>
+          </a:p>
+          <a:p>
+            <a:pPr lvl="1"/>
+            <a:r>
+              <a:rPr lang="en-US" dirty="0" smtClean="0"/>
+              <a:t>Solution: restrict to directed trees</a:t>
+            </a:r>
+          </a:p>
+          <a:p>
+            <a:r>
+              <a:rPr lang="en-US" dirty="0" err="1" smtClean="0"/>
+              <a:t>OpenCL</a:t>
+            </a:r>
+            <a:r>
+              <a:rPr lang="en-US" dirty="0" smtClean="0"/>
+              <a:t> code is compiled at runtime, so why not generate at runtime?</a:t>
+            </a:r>
+          </a:p>
+          <a:p>
+            <a:r>
+              <a:rPr lang="en-US" dirty="0" smtClean="0"/>
+              <a:t>Python used </a:t>
+            </a:r>
+            <a:r>
+              <a:rPr lang="en-US" dirty="0" smtClean="0"/>
+              <a:t>to construct, compile, and run graphs.</a:t>
+            </a:r>
+          </a:p>
+          <a:p>
+            <a:r>
+              <a:rPr lang="en-US" dirty="0" smtClean="0"/>
+              <a:t>Trees created by populating stack</a:t>
+            </a:r>
+          </a:p>
+          <a:p>
+            <a:pPr lvl="1"/>
+            <a:r>
+              <a:rPr lang="en-US" dirty="0" smtClean="0"/>
+              <a:t>Easily </a:t>
+            </a:r>
+            <a:r>
+              <a:rPr lang="en-US" dirty="0" smtClean="0"/>
+              <a:t>design noise trees without a </a:t>
+            </a:r>
+            <a:r>
+              <a:rPr lang="en-US" dirty="0" smtClean="0"/>
+              <a:t>GUI</a:t>
+            </a:r>
+          </a:p>
+          <a:p>
+            <a:pPr lvl="1"/>
+            <a:r>
+              <a:rPr lang="en-US" dirty="0" smtClean="0"/>
+              <a:t>Easy to save and load trees from file</a:t>
+            </a:r>
           </a:p>
         </p:txBody>
       </p:sp>
@@ -6994,127 +7237,85 @@
             <p:ph type="title"/>
           </p:nvPr>
         </p:nvSpPr>
-        <p:spPr>
-          <a:xfrm>
-            <a:off x="2743200" y="5638800"/>
-            <a:ext cx="8534400" cy="758952"/>
-          </a:xfrm>
-        </p:spPr>
+        <p:spPr/>
         <p:txBody>
           <a:bodyPr/>
           <a:lstStyle/>
           <a:p>
             <a:r>
-              <a:rPr lang="en-US" dirty="0" smtClean="0">
-                <a:solidFill>
-                  <a:schemeClr val="tx1"/>
-                </a:solidFill>
-              </a:rPr>
-              <a:t>20x Speedup !</a:t>
-            </a:r>
-            <a:endParaRPr lang="en-US" dirty="0">
-              <a:solidFill>
-                <a:schemeClr val="tx1"/>
-              </a:solidFill>
-            </a:endParaRPr>
-          </a:p>
-        </p:txBody>
-      </p:sp>
-      <p:graphicFrame>
-        <p:nvGraphicFramePr>
-          <p:cNvPr id="4" name="Content Placeholder 3"/>
-          <p:cNvGraphicFramePr>
-            <a:graphicFrameLocks noGrp="1"/>
-          </p:cNvGraphicFramePr>
+              <a:rPr lang="en-US" dirty="0" smtClean="0"/>
+              <a:t>Approach (Cont’d)</a:t>
+            </a:r>
+            <a:endParaRPr lang="en-US" dirty="0"/>
+          </a:p>
+        </p:txBody>
+      </p:sp>
+      <p:sp>
+        <p:nvSpPr>
+          <p:cNvPr id="3" name="Content Placeholder 2"/>
+          <p:cNvSpPr>
+            <a:spLocks noGrp="1"/>
+          </p:cNvSpPr>
           <p:nvPr>
             <p:ph sz="quarter" idx="1"/>
           </p:nvPr>
-        </p:nvGraphicFramePr>
-        <p:xfrm>
-          <a:off x="301625" y="1527175"/>
-          <a:ext cx="8504238" cy="4572000"/>
-        </p:xfrm>
-        <a:graphic>
-          <a:graphicData uri="http://schemas.openxmlformats.org/drawingml/2006/chart">
-            <c:chart xmlns:c="http://schemas.openxmlformats.org/drawingml/2006/chart" xmlns:r="http://schemas.openxmlformats.org/officeDocument/2006/relationships" r:id="rId2"/>
-          </a:graphicData>
-        </a:graphic>
-      </p:graphicFrame>
-      <p:sp>
-        <p:nvSpPr>
-          <p:cNvPr id="5" name="Title 1"/>
-          <p:cNvSpPr txBox="1">
-            <a:spLocks/>
-          </p:cNvSpPr>
-          <p:nvPr/>
-        </p:nvSpPr>
-        <p:spPr>
-          <a:xfrm>
-            <a:off x="454152" y="381000"/>
-            <a:ext cx="8534400" cy="758952"/>
-          </a:xfrm>
-          <a:prstGeom prst="rect">
-            <a:avLst/>
-          </a:prstGeom>
-        </p:spPr>
-        <p:txBody>
-          <a:bodyPr vert="horz" anchor="b">
-            <a:normAutofit/>
-          </a:bodyPr>
-          <a:lstStyle/>
-          <a:p>
-            <a:pPr marL="0" marR="0" lvl="0" indent="0" algn="ctr" defTabSz="914400" rtl="0" eaLnBrk="1" fontAlgn="auto" latinLnBrk="0" hangingPunct="1">
-              <a:lnSpc>
-                <a:spcPct val="100000"/>
-              </a:lnSpc>
-              <a:spcBef>
-                <a:spcPct val="0"/>
-              </a:spcBef>
-              <a:spcAft>
-                <a:spcPts val="0"/>
-              </a:spcAft>
-              <a:buClrTx/>
-              <a:buSzTx/>
-              <a:buFontTx/>
-              <a:buNone/>
-              <a:tabLst/>
-              <a:defRPr/>
-            </a:pPr>
-            <a:r>
-              <a:rPr kumimoji="0" lang="en-US" sz="3300" b="0" i="0" u="none" strike="noStrike" kern="1200" cap="none" spc="0" normalizeH="0" baseline="0" noProof="0" dirty="0" smtClean="0">
-                <a:ln>
-                  <a:noFill/>
-                </a:ln>
-                <a:solidFill>
-                  <a:schemeClr val="accent3">
-                    <a:shade val="75000"/>
-                  </a:schemeClr>
-                </a:solidFill>
-                <a:effectLst/>
-                <a:uLnTx/>
-                <a:uFillTx/>
-                <a:latin typeface="+mj-lt"/>
-                <a:ea typeface="+mj-ea"/>
-                <a:cs typeface="+mj-cs"/>
-              </a:rPr>
-              <a:t>Results</a:t>
-            </a:r>
-            <a:endParaRPr kumimoji="0" lang="en-US" sz="3300" b="0" i="0" u="none" strike="noStrike" kern="1200" cap="none" spc="0" normalizeH="0" baseline="0" noProof="0" dirty="0">
-              <a:ln>
-                <a:noFill/>
-              </a:ln>
-              <a:solidFill>
-                <a:schemeClr val="accent3">
-                  <a:shade val="75000"/>
-                </a:schemeClr>
-              </a:solidFill>
-              <a:effectLst/>
-              <a:uLnTx/>
-              <a:uFillTx/>
-              <a:latin typeface="+mj-lt"/>
-              <a:ea typeface="+mj-ea"/>
-              <a:cs typeface="+mj-cs"/>
-            </a:endParaRPr>
+        </p:nvSpPr>
+        <p:spPr/>
+        <p:txBody>
+          <a:bodyPr/>
+          <a:lstStyle/>
+          <a:p>
+            <a:r>
+              <a:rPr lang="en-US" dirty="0" smtClean="0"/>
+              <a:t>Chunk the input to get around memory limitations</a:t>
+            </a:r>
+          </a:p>
+          <a:p>
+            <a:r>
+              <a:rPr lang="en-US" dirty="0" smtClean="0"/>
+              <a:t>Multiple kernel invocations</a:t>
+            </a:r>
+          </a:p>
+          <a:p>
+            <a:r>
+              <a:rPr lang="en-US" dirty="0" smtClean="0"/>
+              <a:t>“</a:t>
+            </a:r>
+            <a:r>
+              <a:rPr lang="en-US" dirty="0" err="1" smtClean="0"/>
+              <a:t>PointColor</a:t>
+            </a:r>
+            <a:r>
+              <a:rPr lang="en-US" dirty="0" smtClean="0"/>
+              <a:t>”</a:t>
+            </a:r>
+          </a:p>
+          <a:p>
+            <a:pPr lvl="1"/>
+            <a:r>
+              <a:rPr lang="en-US" dirty="0" smtClean="0"/>
+              <a:t>Point (x, y, z, unused) – calculated by kernel</a:t>
+            </a:r>
+          </a:p>
+          <a:p>
+            <a:pPr lvl="1"/>
+            <a:r>
+              <a:rPr lang="en-US" dirty="0" smtClean="0"/>
+              <a:t>Color (r, g, b, a)</a:t>
+            </a:r>
+          </a:p>
+          <a:p>
+            <a:r>
+              <a:rPr lang="en-US" dirty="0" smtClean="0"/>
+              <a:t>Return </a:t>
+            </a:r>
+            <a:r>
+              <a:rPr lang="en-US" dirty="0" smtClean="0"/>
+              <a:t>array of RGBA vectors (float4) from GPU</a:t>
+            </a:r>
+          </a:p>
+          <a:p>
+            <a:endParaRPr lang="en-US" dirty="0"/>
           </a:p>
         </p:txBody>
       </p:sp>
@@ -7160,7 +7361,7 @@
           <a:p>
             <a:r>
               <a:rPr lang="en-US" dirty="0" smtClean="0"/>
-              <a:t>Improvements</a:t>
+              <a:t>Example Stack</a:t>
             </a:r>
             <a:endParaRPr lang="en-US" dirty="0"/>
           </a:p>
@@ -7168,7 +7369,7 @@
       </p:sp>
       <p:sp>
         <p:nvSpPr>
-          <p:cNvPr id="5" name="Content Placeholder 4"/>
+          <p:cNvPr id="3" name="Content Placeholder 2"/>
           <p:cNvSpPr>
             <a:spLocks noGrp="1"/>
           </p:cNvSpPr>
@@ -7178,25 +7379,380 @@
         </p:nvSpPr>
         <p:spPr/>
         <p:txBody>
-          <a:bodyPr/>
-          <a:lstStyle/>
-          <a:p>
-            <a:r>
-              <a:rPr lang="en-US" dirty="0" smtClean="0"/>
-              <a:t>We implemented two improvements in an effort to improve performance</a:t>
-            </a:r>
-          </a:p>
-          <a:p>
-            <a:r>
-              <a:rPr lang="en-US" dirty="0" smtClean="0"/>
-              <a:t>The first improvement was to adjust the work size to maximum allowed. Work size is limited by the available memory.</a:t>
-            </a:r>
-          </a:p>
-          <a:p>
-            <a:r>
-              <a:rPr lang="en-US" dirty="0" smtClean="0"/>
-              <a:t>The second improvement was to optionally return byte4 rather than float4 from the GPU.</a:t>
-            </a:r>
+          <a:bodyPr>
+            <a:normAutofit fontScale="62500" lnSpcReduction="20000"/>
+          </a:bodyPr>
+          <a:lstStyle/>
+          <a:p>
+            <a:r>
+              <a:rPr lang="en-US" smtClean="0"/>
+              <a:t>    </a:t>
+            </a:r>
+            <a:r>
+              <a:rPr lang="en-US" dirty="0" err="1" smtClean="0"/>
+              <a:t>fs.push</a:t>
+            </a:r>
+            <a:r>
+              <a:rPr lang="en-US" dirty="0" smtClean="0"/>
+              <a:t>(</a:t>
+            </a:r>
+            <a:r>
+              <a:rPr lang="en-US" dirty="0" err="1" smtClean="0"/>
+              <a:t>cs</a:t>
+            </a:r>
+            <a:r>
+              <a:rPr lang="en-US" dirty="0" smtClean="0"/>
+              <a:t>)</a:t>
+            </a:r>
+          </a:p>
+          <a:p>
+            <a:r>
+              <a:rPr lang="en-US" dirty="0" smtClean="0"/>
+              <a:t>    </a:t>
+            </a:r>
+            <a:r>
+              <a:rPr lang="en-US" dirty="0" err="1" smtClean="0"/>
+              <a:t>fs.push</a:t>
+            </a:r>
+            <a:r>
+              <a:rPr lang="en-US" dirty="0" smtClean="0"/>
+              <a:t>(Worley(distance</a:t>
+            </a:r>
+            <a:r>
+              <a:rPr lang="en-US" dirty="0" smtClean="0"/>
+              <a:t>='</a:t>
+            </a:r>
+            <a:r>
+              <a:rPr lang="en-US" dirty="0" err="1" smtClean="0"/>
+              <a:t>manhattan</a:t>
+            </a:r>
+            <a:r>
+              <a:rPr lang="en-US" dirty="0" smtClean="0"/>
+              <a:t>', seed=809))</a:t>
+            </a:r>
+          </a:p>
+          <a:p>
+            <a:r>
+              <a:rPr lang="en-US" dirty="0" smtClean="0"/>
+              <a:t>    </a:t>
+            </a:r>
+            <a:r>
+              <a:rPr lang="en-US" dirty="0" err="1" smtClean="0"/>
+              <a:t>fs.push</a:t>
+            </a:r>
+            <a:r>
+              <a:rPr lang="en-US" dirty="0" smtClean="0"/>
+              <a:t>(</a:t>
+            </a:r>
+            <a:r>
+              <a:rPr lang="en-US" dirty="0" err="1" smtClean="0"/>
+              <a:t>cs</a:t>
+            </a:r>
+            <a:r>
+              <a:rPr lang="en-US" dirty="0" smtClean="0"/>
+              <a:t>)</a:t>
+            </a:r>
+          </a:p>
+          <a:p>
+            <a:r>
+              <a:rPr lang="en-US" dirty="0" smtClean="0"/>
+              <a:t>    </a:t>
+            </a:r>
+            <a:r>
+              <a:rPr lang="en-US" dirty="0" err="1" smtClean="0"/>
+              <a:t>fs.push</a:t>
+            </a:r>
+            <a:r>
+              <a:rPr lang="en-US" dirty="0" smtClean="0"/>
+              <a:t>(Worley(distance</a:t>
+            </a:r>
+            <a:r>
+              <a:rPr lang="en-US" dirty="0" smtClean="0"/>
+              <a:t>='</a:t>
+            </a:r>
+            <a:r>
+              <a:rPr lang="en-US" dirty="0" err="1" smtClean="0"/>
+              <a:t>manhattan</a:t>
+            </a:r>
+            <a:r>
+              <a:rPr lang="en-US" dirty="0" smtClean="0"/>
+              <a:t>', seed=908))</a:t>
+            </a:r>
+          </a:p>
+          <a:p>
+            <a:r>
+              <a:rPr lang="en-US" dirty="0" smtClean="0"/>
+              <a:t>    </a:t>
+            </a:r>
+            <a:r>
+              <a:rPr lang="en-US" dirty="0" err="1" smtClean="0"/>
+              <a:t>fs.push</a:t>
+            </a:r>
+            <a:r>
+              <a:rPr lang="en-US" dirty="0" smtClean="0"/>
+              <a:t>(</a:t>
+            </a:r>
+            <a:r>
+              <a:rPr lang="en-US" dirty="0" err="1" smtClean="0"/>
+              <a:t>cs</a:t>
+            </a:r>
+            <a:r>
+              <a:rPr lang="en-US" dirty="0" smtClean="0"/>
+              <a:t>)</a:t>
+            </a:r>
+          </a:p>
+          <a:p>
+            <a:r>
+              <a:rPr lang="en-US" dirty="0" smtClean="0"/>
+              <a:t>    </a:t>
+            </a:r>
+            <a:r>
+              <a:rPr lang="en-US" dirty="0" err="1" smtClean="0"/>
+              <a:t>fs.push</a:t>
+            </a:r>
+            <a:r>
+              <a:rPr lang="en-US" dirty="0" smtClean="0"/>
+              <a:t>(Worley(distance</a:t>
+            </a:r>
+            <a:r>
+              <a:rPr lang="en-US" dirty="0" smtClean="0"/>
+              <a:t>='</a:t>
+            </a:r>
+            <a:r>
+              <a:rPr lang="en-US" dirty="0" err="1" smtClean="0"/>
+              <a:t>manhattan</a:t>
+            </a:r>
+            <a:r>
+              <a:rPr lang="en-US" dirty="0" smtClean="0"/>
+              <a:t>'))</a:t>
+            </a:r>
+          </a:p>
+          <a:p>
+            <a:r>
+              <a:rPr lang="en-US" dirty="0" smtClean="0"/>
+              <a:t>    </a:t>
+            </a:r>
+            <a:r>
+              <a:rPr lang="en-US" dirty="0" err="1" smtClean="0"/>
+              <a:t>fs.push</a:t>
+            </a:r>
+            <a:r>
+              <a:rPr lang="en-US" dirty="0" smtClean="0"/>
+              <a:t>(</a:t>
+            </a:r>
+            <a:r>
+              <a:rPr lang="en-US" dirty="0" err="1" smtClean="0"/>
+              <a:t>cs</a:t>
+            </a:r>
+            <a:r>
+              <a:rPr lang="en-US" dirty="0" smtClean="0"/>
+              <a:t>)</a:t>
+            </a:r>
+          </a:p>
+          <a:p>
+            <a:r>
+              <a:rPr lang="en-US" dirty="0" smtClean="0"/>
+              <a:t>    </a:t>
+            </a:r>
+            <a:r>
+              <a:rPr lang="en-US" dirty="0" err="1" smtClean="0"/>
+              <a:t>fs.push</a:t>
+            </a:r>
+            <a:r>
+              <a:rPr lang="en-US" dirty="0" smtClean="0"/>
+              <a:t>(</a:t>
+            </a:r>
+            <a:r>
+              <a:rPr lang="en-US" dirty="0" err="1" smtClean="0"/>
+              <a:t>Perlin</a:t>
+            </a:r>
+            <a:r>
+              <a:rPr lang="en-US" dirty="0" smtClean="0"/>
+              <a:t>())</a:t>
+            </a:r>
+          </a:p>
+          <a:p>
+            <a:r>
+              <a:rPr lang="en-US" dirty="0" smtClean="0"/>
+              <a:t>    </a:t>
+            </a:r>
+            <a:r>
+              <a:rPr lang="en-US" dirty="0" err="1" smtClean="0"/>
+              <a:t>fs.push</a:t>
+            </a:r>
+            <a:r>
+              <a:rPr lang="en-US" dirty="0" smtClean="0"/>
+              <a:t>(</a:t>
+            </a:r>
+            <a:r>
+              <a:rPr lang="en-US" dirty="0" err="1" smtClean="0"/>
+              <a:t>cs</a:t>
+            </a:r>
+            <a:r>
+              <a:rPr lang="en-US" dirty="0" smtClean="0"/>
+              <a:t>)</a:t>
+            </a:r>
+          </a:p>
+          <a:p>
+            <a:r>
+              <a:rPr lang="en-US" dirty="0" smtClean="0"/>
+              <a:t>    </a:t>
+            </a:r>
+            <a:r>
+              <a:rPr lang="en-US" dirty="0" err="1" smtClean="0"/>
+              <a:t>fs.push</a:t>
+            </a:r>
+            <a:r>
+              <a:rPr lang="en-US" dirty="0" smtClean="0"/>
+              <a:t>(Worley(seed=666</a:t>
+            </a:r>
+            <a:r>
+              <a:rPr lang="en-US" dirty="0" smtClean="0"/>
+              <a:t>))</a:t>
+            </a:r>
+          </a:p>
+          <a:p>
+            <a:r>
+              <a:rPr lang="en-US" dirty="0" smtClean="0"/>
+              <a:t>    </a:t>
+            </a:r>
+            <a:r>
+              <a:rPr lang="en-US" dirty="0" err="1" smtClean="0"/>
+              <a:t>fs.push</a:t>
+            </a:r>
+            <a:r>
+              <a:rPr lang="en-US" dirty="0" smtClean="0"/>
+              <a:t>(Select</a:t>
+            </a:r>
+            <a:r>
+              <a:rPr lang="en-US" dirty="0" smtClean="0"/>
+              <a:t>())</a:t>
+            </a:r>
+          </a:p>
+          <a:p>
+            <a:r>
+              <a:rPr lang="en-US" dirty="0" smtClean="0"/>
+              <a:t>    </a:t>
+            </a:r>
+            <a:r>
+              <a:rPr lang="en-US" dirty="0" err="1" smtClean="0"/>
+              <a:t>fs.push</a:t>
+            </a:r>
+            <a:r>
+              <a:rPr lang="en-US" dirty="0" smtClean="0"/>
+              <a:t>(</a:t>
+            </a:r>
+            <a:r>
+              <a:rPr lang="en-US" dirty="0" err="1" smtClean="0"/>
+              <a:t>cs</a:t>
+            </a:r>
+            <a:r>
+              <a:rPr lang="en-US" dirty="0" smtClean="0"/>
+              <a:t>)</a:t>
+            </a:r>
+          </a:p>
+          <a:p>
+            <a:r>
+              <a:rPr lang="en-US" dirty="0" smtClean="0"/>
+              <a:t>    </a:t>
+            </a:r>
+            <a:r>
+              <a:rPr lang="en-US" dirty="0" err="1" smtClean="0"/>
+              <a:t>fs.push</a:t>
+            </a:r>
+            <a:r>
+              <a:rPr lang="en-US" dirty="0" smtClean="0"/>
+              <a:t>(</a:t>
+            </a:r>
+            <a:r>
+              <a:rPr lang="en-US" dirty="0" err="1" smtClean="0"/>
+              <a:t>Perlin</a:t>
+            </a:r>
+            <a:r>
+              <a:rPr lang="en-US" dirty="0" smtClean="0"/>
+              <a:t>(seed=897</a:t>
+            </a:r>
+            <a:r>
+              <a:rPr lang="en-US" dirty="0" smtClean="0"/>
+              <a:t>))</a:t>
+            </a:r>
+          </a:p>
+          <a:p>
+            <a:r>
+              <a:rPr lang="en-US" dirty="0" smtClean="0"/>
+              <a:t>    </a:t>
+            </a:r>
+            <a:r>
+              <a:rPr lang="en-US" dirty="0" err="1" smtClean="0"/>
+              <a:t>fs.push</a:t>
+            </a:r>
+            <a:r>
+              <a:rPr lang="en-US" dirty="0" smtClean="0"/>
+              <a:t>(Select</a:t>
+            </a:r>
+            <a:r>
+              <a:rPr lang="en-US" dirty="0" smtClean="0"/>
+              <a:t>())</a:t>
+            </a:r>
+          </a:p>
+          <a:p>
+            <a:r>
+              <a:rPr lang="en-US" dirty="0" smtClean="0"/>
+              <a:t>    </a:t>
+            </a:r>
+            <a:r>
+              <a:rPr lang="en-US" dirty="0" err="1" smtClean="0"/>
+              <a:t>fs.push</a:t>
+            </a:r>
+            <a:r>
+              <a:rPr lang="en-US" dirty="0" smtClean="0"/>
+              <a:t>(</a:t>
+            </a:r>
+            <a:r>
+              <a:rPr lang="en-US" dirty="0" err="1" smtClean="0"/>
+              <a:t>cs</a:t>
+            </a:r>
+            <a:r>
+              <a:rPr lang="en-US" dirty="0" smtClean="0"/>
+              <a:t>)</a:t>
+            </a:r>
+          </a:p>
+          <a:p>
+            <a:r>
+              <a:rPr lang="en-US" dirty="0" smtClean="0"/>
+              <a:t>    </a:t>
+            </a:r>
+            <a:r>
+              <a:rPr lang="en-US" dirty="0" err="1" smtClean="0"/>
+              <a:t>fs.push</a:t>
+            </a:r>
+            <a:r>
+              <a:rPr lang="en-US" dirty="0" smtClean="0"/>
+              <a:t>(Worley(seed=234</a:t>
+            </a:r>
+            <a:r>
+              <a:rPr lang="en-US" dirty="0" smtClean="0"/>
+              <a:t>))</a:t>
+            </a:r>
+          </a:p>
+          <a:p>
+            <a:r>
+              <a:rPr lang="en-US" dirty="0" smtClean="0"/>
+              <a:t>    </a:t>
+            </a:r>
+            <a:r>
+              <a:rPr lang="en-US" dirty="0" err="1" smtClean="0"/>
+              <a:t>fs.push</a:t>
+            </a:r>
+            <a:r>
+              <a:rPr lang="en-US" dirty="0" smtClean="0"/>
+              <a:t>(Select</a:t>
+            </a:r>
+            <a:r>
+              <a:rPr lang="en-US" dirty="0" smtClean="0"/>
+              <a:t>())</a:t>
+            </a:r>
+            <a:endParaRPr lang="en-US" dirty="0"/>
           </a:p>
         </p:txBody>
       </p:sp>
@@ -7242,32 +7798,79 @@
           <a:p>
             <a:r>
               <a:rPr lang="en-US" dirty="0" smtClean="0"/>
-              <a:t>Improvements</a:t>
+              <a:t>Results</a:t>
             </a:r>
             <a:endParaRPr lang="en-US" dirty="0"/>
           </a:p>
         </p:txBody>
       </p:sp>
-      <p:graphicFrame>
-        <p:nvGraphicFramePr>
-          <p:cNvPr id="4" name="Content Placeholder 3"/>
-          <p:cNvGraphicFramePr>
-            <a:graphicFrameLocks noGrp="1"/>
-          </p:cNvGraphicFramePr>
+      <p:sp>
+        <p:nvSpPr>
+          <p:cNvPr id="5" name="Content Placeholder 4"/>
+          <p:cNvSpPr>
+            <a:spLocks noGrp="1"/>
+          </p:cNvSpPr>
           <p:nvPr>
             <p:ph sz="quarter" idx="1"/>
           </p:nvPr>
-        </p:nvGraphicFramePr>
-        <p:xfrm>
-          <a:off x="301625" y="1527175"/>
-          <a:ext cx="8504238" cy="4572000"/>
-        </p:xfrm>
-        <a:graphic>
-          <a:graphicData uri="http://schemas.openxmlformats.org/drawingml/2006/chart">
-            <c:chart xmlns:c="http://schemas.openxmlformats.org/drawingml/2006/chart" xmlns:r="http://schemas.openxmlformats.org/officeDocument/2006/relationships" r:id="rId2"/>
-          </a:graphicData>
-        </a:graphic>
-      </p:graphicFrame>
+        </p:nvSpPr>
+        <p:spPr/>
+        <p:txBody>
+          <a:bodyPr/>
+          <a:lstStyle/>
+          <a:p>
+            <a:r>
+              <a:rPr lang="en-US" dirty="0" smtClean="0"/>
+              <a:t>AMD has drivers supporting </a:t>
+            </a:r>
+            <a:r>
+              <a:rPr lang="en-US" dirty="0" err="1" smtClean="0"/>
+              <a:t>OpenCL</a:t>
+            </a:r>
+            <a:r>
+              <a:rPr lang="en-US" dirty="0" smtClean="0"/>
+              <a:t> on </a:t>
+            </a:r>
+            <a:r>
+              <a:rPr lang="en-US" dirty="0" err="1" smtClean="0"/>
+              <a:t>Athlon</a:t>
+            </a:r>
+            <a:r>
+              <a:rPr lang="en-US" dirty="0" err="1" smtClean="0"/>
+              <a:t>s</a:t>
+            </a:r>
+            <a:endParaRPr lang="en-US" dirty="0" smtClean="0"/>
+          </a:p>
+          <a:p>
+            <a:r>
+              <a:rPr lang="en-US" dirty="0" smtClean="0"/>
+              <a:t>Best alternative implementation </a:t>
+            </a:r>
+            <a:r>
+              <a:rPr lang="en-US" dirty="0" err="1" smtClean="0"/>
+              <a:t>libnoise</a:t>
+            </a:r>
+            <a:r>
+              <a:rPr lang="en-US" dirty="0" smtClean="0"/>
+              <a:t> limited</a:t>
+            </a:r>
+          </a:p>
+          <a:p>
+            <a:r>
+              <a:rPr lang="en-US" dirty="0" smtClean="0"/>
+              <a:t>Therefore, compare our own code running on CPU to GPU run times</a:t>
+            </a:r>
+            <a:endParaRPr lang="en-US" dirty="0" smtClean="0"/>
+          </a:p>
+          <a:p>
+            <a:r>
+              <a:rPr lang="en-US" dirty="0" smtClean="0"/>
+              <a:t>Not true sequential – dual core CPU</a:t>
+            </a:r>
+            <a:endParaRPr lang="en-US" dirty="0"/>
+          </a:p>
+        </p:txBody>
+      </p:sp>
     </p:spTree>
   </p:cSld>
   <p:clrMapOvr>
@@ -7303,35 +7906,127 @@
             <p:ph type="title"/>
           </p:nvPr>
         </p:nvSpPr>
-        <p:spPr/>
+        <p:spPr>
+          <a:xfrm>
+            <a:off x="2743200" y="5638800"/>
+            <a:ext cx="8534400" cy="758952"/>
+          </a:xfrm>
+        </p:spPr>
         <p:txBody>
           <a:bodyPr/>
           <a:lstStyle/>
           <a:p>
             <a:r>
-              <a:rPr lang="en-US" dirty="0" smtClean="0"/>
-              <a:t>Summary</a:t>
-            </a:r>
-            <a:endParaRPr lang="en-US" dirty="0"/>
-          </a:p>
-        </p:txBody>
-      </p:sp>
-      <p:sp>
-        <p:nvSpPr>
-          <p:cNvPr id="5" name="Content Placeholder 4"/>
-          <p:cNvSpPr>
-            <a:spLocks noGrp="1"/>
-          </p:cNvSpPr>
+              <a:rPr lang="en-US" dirty="0" smtClean="0">
+                <a:solidFill>
+                  <a:schemeClr val="tx1"/>
+                </a:solidFill>
+              </a:rPr>
+              <a:t>20x Speedup !</a:t>
+            </a:r>
+            <a:endParaRPr lang="en-US" dirty="0">
+              <a:solidFill>
+                <a:schemeClr val="tx1"/>
+              </a:solidFill>
+            </a:endParaRPr>
+          </a:p>
+        </p:txBody>
+      </p:sp>
+      <p:graphicFrame>
+        <p:nvGraphicFramePr>
+          <p:cNvPr id="4" name="Content Placeholder 3"/>
+          <p:cNvGraphicFramePr>
+            <a:graphicFrameLocks noGrp="1"/>
+          </p:cNvGraphicFramePr>
           <p:nvPr>
             <p:ph sz="quarter" idx="1"/>
           </p:nvPr>
-        </p:nvSpPr>
-        <p:spPr/>
-        <p:txBody>
-          <a:bodyPr/>
-          <a:lstStyle/>
-          <a:p>
-            <a:endParaRPr lang="en-US"/>
+        </p:nvGraphicFramePr>
+        <p:xfrm>
+          <a:off x="301625" y="1527175"/>
+          <a:ext cx="8504238" cy="4572000"/>
+        </p:xfrm>
+        <a:graphic>
+          <a:graphicData uri="http://schemas.openxmlformats.org/drawingml/2006/chart">
+            <c:chart xmlns:c="http://schemas.openxmlformats.org/drawingml/2006/chart" xmlns:r="http://schemas.openxmlformats.org/officeDocument/2006/relationships" r:id="rId2"/>
+          </a:graphicData>
+        </a:graphic>
+      </p:graphicFrame>
+      <p:sp>
+        <p:nvSpPr>
+          <p:cNvPr id="5" name="Title 1"/>
+          <p:cNvSpPr txBox="1">
+            <a:spLocks/>
+          </p:cNvSpPr>
+          <p:nvPr/>
+        </p:nvSpPr>
+        <p:spPr>
+          <a:xfrm>
+            <a:off x="454152" y="381000"/>
+            <a:ext cx="8534400" cy="758952"/>
+          </a:xfrm>
+          <a:prstGeom prst="rect">
+            <a:avLst/>
+          </a:prstGeom>
+        </p:spPr>
+        <p:txBody>
+          <a:bodyPr vert="horz" anchor="b">
+            <a:normAutofit/>
+          </a:bodyPr>
+          <a:lstStyle/>
+          <a:p>
+            <a:pPr marL="0" marR="0" lvl="0" indent="0" algn="ctr" defTabSz="914400" rtl="0" eaLnBrk="1" fontAlgn="auto" latinLnBrk="0" hangingPunct="1">
+              <a:lnSpc>
+                <a:spcPct val="100000"/>
+              </a:lnSpc>
+              <a:spcBef>
+                <a:spcPct val="0"/>
+              </a:spcBef>
+              <a:spcAft>
+                <a:spcPts val="0"/>
+              </a:spcAft>
+              <a:buClrTx/>
+              <a:buSzTx/>
+              <a:buFontTx/>
+              <a:buNone/>
+              <a:tabLst/>
+              <a:defRPr/>
+            </a:pPr>
+            <a:r>
+              <a:rPr kumimoji="0" lang="en-US" sz="3300" b="0" i="0" u="none" strike="noStrike" kern="1200" cap="none" spc="0" normalizeH="0" baseline="0" noProof="0" dirty="0" smtClean="0">
+                <a:ln>
+                  <a:noFill/>
+                </a:ln>
+                <a:solidFill>
+                  <a:schemeClr val="accent3">
+                    <a:shade val="75000"/>
+                  </a:schemeClr>
+                </a:solidFill>
+                <a:effectLst/>
+                <a:uLnTx/>
+                <a:uFillTx/>
+                <a:latin typeface="+mj-lt"/>
+                <a:ea typeface="+mj-ea"/>
+                <a:cs typeface="+mj-cs"/>
+              </a:rPr>
+              <a:t>Results</a:t>
+            </a:r>
+            <a:endParaRPr kumimoji="0" lang="en-US" sz="3300" b="0" i="0" u="none" strike="noStrike" kern="1200" cap="none" spc="0" normalizeH="0" baseline="0" noProof="0" dirty="0">
+              <a:ln>
+                <a:noFill/>
+              </a:ln>
+              <a:solidFill>
+                <a:schemeClr val="accent3">
+                  <a:shade val="75000"/>
+                </a:schemeClr>
+              </a:solidFill>
+              <a:effectLst/>
+              <a:uLnTx/>
+              <a:uFillTx/>
+              <a:latin typeface="+mj-lt"/>
+              <a:ea typeface="+mj-ea"/>
+              <a:cs typeface="+mj-cs"/>
+            </a:endParaRPr>
           </a:p>
         </p:txBody>
       </p:sp>

--- a/docs/Presentation.pptx
+++ b/docs/Presentation.pptx
@@ -8,14 +8,14 @@
     <p:sldId id="256" r:id="rId2"/>
     <p:sldId id="257" r:id="rId3"/>
     <p:sldId id="264" r:id="rId4"/>
-    <p:sldId id="266" r:id="rId5"/>
-    <p:sldId id="258" r:id="rId6"/>
-    <p:sldId id="265" r:id="rId7"/>
-    <p:sldId id="267" r:id="rId8"/>
-    <p:sldId id="259" r:id="rId9"/>
-    <p:sldId id="262" r:id="rId10"/>
-    <p:sldId id="261" r:id="rId11"/>
-    <p:sldId id="260" r:id="rId12"/>
+    <p:sldId id="258" r:id="rId5"/>
+    <p:sldId id="265" r:id="rId6"/>
+    <p:sldId id="267" r:id="rId7"/>
+    <p:sldId id="259" r:id="rId8"/>
+    <p:sldId id="262" r:id="rId9"/>
+    <p:sldId id="261" r:id="rId10"/>
+    <p:sldId id="260" r:id="rId11"/>
+    <p:sldId id="266" r:id="rId12"/>
     <p:sldId id="263" r:id="rId13"/>
   </p:sldIdLst>
   <p:sldSz cx="9144000" cy="6858000" type="screen4x3"/>
@@ -221,24 +221,24 @@
             </c:numRef>
           </c:val>
         </c:ser>
-        <c:axId val="81595392"/>
-        <c:axId val="81609472"/>
+        <c:axId val="60483840"/>
+        <c:axId val="61870080"/>
       </c:barChart>
       <c:catAx>
-        <c:axId val="81595392"/>
+        <c:axId val="60483840"/>
         <c:scaling>
           <c:orientation val="minMax"/>
         </c:scaling>
         <c:axPos val="b"/>
         <c:tickLblPos val="nextTo"/>
-        <c:crossAx val="81609472"/>
+        <c:crossAx val="61870080"/>
         <c:crosses val="autoZero"/>
         <c:auto val="1"/>
         <c:lblAlgn val="ctr"/>
         <c:lblOffset val="100"/>
       </c:catAx>
       <c:valAx>
-        <c:axId val="81609472"/>
+        <c:axId val="61870080"/>
         <c:scaling>
           <c:orientation val="minMax"/>
           <c:min val="0"/>
@@ -265,7 +265,7 @@
         </c:title>
         <c:numFmt formatCode="0.00" sourceLinked="1"/>
         <c:tickLblPos val="nextTo"/>
-        <c:crossAx val="81595392"/>
+        <c:crossAx val="60483840"/>
         <c:crosses val="autoZero"/>
         <c:crossBetween val="between"/>
       </c:valAx>
@@ -311,7 +311,7 @@
           <c:xMode val="edge"/>
           <c:yMode val="edge"/>
           <c:x val="0.11545144356955382"/>
-          <c:y val="3.2407407407407426E-2"/>
+          <c:y val="3.2407407407407447E-2"/>
         </c:manualLayout>
       </c:layout>
     </c:title>
@@ -358,7 +358,7 @@
                 <c:formatCode>0.00</c:formatCode>
                 <c:ptCount val="3"/>
                 <c:pt idx="0">
-                  <c:v>130.30602600000003</c:v>
+                  <c:v>130.30602600000009</c:v>
                 </c:pt>
                 <c:pt idx="1">
                   <c:v>63.991622000000007</c:v>
@@ -370,24 +370,24 @@
             </c:numRef>
           </c:val>
         </c:ser>
-        <c:axId val="81622912"/>
-        <c:axId val="81624448"/>
+        <c:axId val="61887616"/>
+        <c:axId val="61889152"/>
       </c:barChart>
       <c:catAx>
-        <c:axId val="81622912"/>
+        <c:axId val="61887616"/>
         <c:scaling>
           <c:orientation val="minMax"/>
         </c:scaling>
         <c:axPos val="b"/>
         <c:tickLblPos val="nextTo"/>
-        <c:crossAx val="81624448"/>
+        <c:crossAx val="61889152"/>
         <c:crosses val="autoZero"/>
         <c:auto val="1"/>
         <c:lblAlgn val="ctr"/>
         <c:lblOffset val="100"/>
       </c:catAx>
       <c:valAx>
-        <c:axId val="81624448"/>
+        <c:axId val="61889152"/>
         <c:scaling>
           <c:orientation val="minMax"/>
           <c:min val="0"/>
@@ -414,7 +414,7 @@
         </c:title>
         <c:numFmt formatCode="0.00" sourceLinked="1"/>
         <c:tickLblPos val="nextTo"/>
-        <c:crossAx val="81622912"/>
+        <c:crossAx val="61887616"/>
         <c:crosses val="autoZero"/>
         <c:crossBetween val="between"/>
       </c:valAx>
@@ -6506,63 +6506,26 @@
           </a:p>
         </p:txBody>
       </p:sp>
-      <p:sp>
-        <p:nvSpPr>
-          <p:cNvPr id="5" name="Content Placeholder 4"/>
-          <p:cNvSpPr>
-            <a:spLocks noGrp="1"/>
-          </p:cNvSpPr>
+      <p:graphicFrame>
+        <p:nvGraphicFramePr>
+          <p:cNvPr id="4" name="Content Placeholder 3"/>
+          <p:cNvGraphicFramePr>
+            <a:graphicFrameLocks noGrp="1"/>
+          </p:cNvGraphicFramePr>
           <p:nvPr>
             <p:ph sz="quarter" idx="1"/>
           </p:nvPr>
-        </p:nvSpPr>
-        <p:spPr/>
-        <p:txBody>
-          <a:bodyPr/>
-          <a:lstStyle/>
-          <a:p>
-            <a:pPr marL="514350" indent="-514350">
-              <a:buFont typeface="+mj-lt"/>
-              <a:buAutoNum type="arabicPeriod"/>
-            </a:pPr>
-            <a:r>
-              <a:rPr lang="en-US" dirty="0" smtClean="0"/>
-              <a:t>Adjust global work size</a:t>
-            </a:r>
-          </a:p>
-          <a:p>
-            <a:pPr marL="788670" lvl="1" indent="-514350">
-              <a:buFont typeface="+mj-lt"/>
-              <a:buAutoNum type="arabicPeriod"/>
-            </a:pPr>
-            <a:r>
-              <a:rPr lang="en-US" dirty="0" smtClean="0"/>
-              <a:t>Initially: used constant (2048) </a:t>
-            </a:r>
-          </a:p>
-          <a:p>
-            <a:pPr marL="788670" lvl="1" indent="-514350">
-              <a:buFont typeface="+mj-lt"/>
-              <a:buAutoNum type="arabicPeriod"/>
-            </a:pPr>
-            <a:r>
-              <a:rPr lang="en-US" dirty="0" smtClean="0"/>
-              <a:t>Optimized: limited by the available memory</a:t>
-            </a:r>
-          </a:p>
-          <a:p>
-            <a:pPr marL="514350" indent="-514350">
-              <a:buFont typeface="+mj-lt"/>
-              <a:buAutoNum type="arabicPeriod"/>
-            </a:pPr>
-            <a:r>
-              <a:rPr lang="en-US" dirty="0" smtClean="0"/>
-              <a:t>Return (optionally) byte4 rather than float4 from GPU</a:t>
-            </a:r>
-            <a:endParaRPr lang="en-US" dirty="0" smtClean="0"/>
-          </a:p>
-        </p:txBody>
-      </p:sp>
+        </p:nvGraphicFramePr>
+        <p:xfrm>
+          <a:off x="301625" y="1527175"/>
+          <a:ext cx="8504238" cy="4572000"/>
+        </p:xfrm>
+        <a:graphic>
+          <a:graphicData uri="http://schemas.openxmlformats.org/drawingml/2006/chart">
+            <c:chart xmlns:c="http://schemas.openxmlformats.org/drawingml/2006/chart" xmlns:r="http://schemas.openxmlformats.org/officeDocument/2006/relationships" r:id="rId2"/>
+          </a:graphicData>
+        </a:graphic>
+      </p:graphicFrame>
     </p:spTree>
   </p:cSld>
   <p:clrMapOvr>
@@ -6605,32 +6568,66 @@
           <a:p>
             <a:r>
               <a:rPr lang="en-US" dirty="0" smtClean="0"/>
-              <a:t>Improvements</a:t>
+              <a:t>Example of 3D Coherent Noise</a:t>
             </a:r>
             <a:endParaRPr lang="en-US" dirty="0"/>
           </a:p>
         </p:txBody>
       </p:sp>
-      <p:graphicFrame>
-        <p:nvGraphicFramePr>
-          <p:cNvPr id="4" name="Content Placeholder 3"/>
-          <p:cNvGraphicFramePr>
-            <a:graphicFrameLocks noGrp="1"/>
-          </p:cNvGraphicFramePr>
+      <p:sp>
+        <p:nvSpPr>
+          <p:cNvPr id="3" name="Content Placeholder 2"/>
+          <p:cNvSpPr>
+            <a:spLocks noGrp="1"/>
+          </p:cNvSpPr>
           <p:nvPr>
             <p:ph sz="quarter" idx="1"/>
           </p:nvPr>
-        </p:nvGraphicFramePr>
-        <p:xfrm>
-          <a:off x="301625" y="1527175"/>
-          <a:ext cx="8504238" cy="4572000"/>
-        </p:xfrm>
-        <a:graphic>
-          <a:graphicData uri="http://schemas.openxmlformats.org/drawingml/2006/chart">
-            <c:chart xmlns:c="http://schemas.openxmlformats.org/drawingml/2006/chart" xmlns:r="http://schemas.openxmlformats.org/officeDocument/2006/relationships" r:id="rId2"/>
-          </a:graphicData>
-        </a:graphic>
-      </p:graphicFrame>
+        </p:nvSpPr>
+        <p:spPr/>
+        <p:txBody>
+          <a:bodyPr/>
+          <a:lstStyle/>
+          <a:p>
+            <a:pPr>
+              <a:buNone/>
+            </a:pPr>
+            <a:r>
+              <a:rPr lang="en-US" sz="4000" dirty="0" err="1" smtClean="0"/>
+              <a:t>Minecraft</a:t>
+            </a:r>
+            <a:r>
+              <a:rPr lang="en-US" sz="4000" dirty="0" smtClean="0"/>
+              <a:t>!</a:t>
+            </a:r>
+          </a:p>
+          <a:p>
+            <a:pPr>
+              <a:buNone/>
+            </a:pPr>
+            <a:endParaRPr lang="en-US" dirty="0" smtClean="0"/>
+          </a:p>
+          <a:p>
+            <a:pPr>
+              <a:buNone/>
+            </a:pPr>
+            <a:r>
+              <a:rPr lang="en-US" sz="4000" dirty="0" smtClean="0"/>
+              <a:t>Log on to:</a:t>
+            </a:r>
+          </a:p>
+          <a:p>
+            <a:pPr algn="ctr">
+              <a:buNone/>
+            </a:pPr>
+            <a:r>
+              <a:rPr lang="en-US" sz="7200" dirty="0" smtClean="0"/>
+              <a:t>aftbit.com</a:t>
+            </a:r>
+            <a:endParaRPr lang="en-US" sz="7200" dirty="0"/>
+          </a:p>
+        </p:txBody>
+      </p:sp>
     </p:spTree>
   </p:cSld>
   <p:clrMapOvr>
@@ -6712,6 +6709,74 @@
               <a:t>Algorithms chosen to avoid any global operations</a:t>
             </a:r>
             <a:endParaRPr lang="en-US" dirty="0"/>
+          </a:p>
+        </p:txBody>
+      </p:sp>
+      <p:sp>
+        <p:nvSpPr>
+          <p:cNvPr id="4" name="Title 1"/>
+          <p:cNvSpPr txBox="1">
+            <a:spLocks/>
+          </p:cNvSpPr>
+          <p:nvPr/>
+        </p:nvSpPr>
+        <p:spPr>
+          <a:xfrm>
+            <a:off x="304800" y="3657600"/>
+            <a:ext cx="8534400" cy="758952"/>
+          </a:xfrm>
+          <a:prstGeom prst="rect">
+            <a:avLst/>
+          </a:prstGeom>
+        </p:spPr>
+        <p:txBody>
+          <a:bodyPr vert="horz" anchor="b">
+            <a:noAutofit/>
+          </a:bodyPr>
+          <a:lstStyle/>
+          <a:p>
+            <a:pPr marL="0" marR="0" lvl="0" indent="0" algn="ctr" defTabSz="914400" rtl="0" eaLnBrk="1" fontAlgn="auto" latinLnBrk="0" hangingPunct="1">
+              <a:lnSpc>
+                <a:spcPct val="100000"/>
+              </a:lnSpc>
+              <a:spcBef>
+                <a:spcPct val="0"/>
+              </a:spcBef>
+              <a:spcAft>
+                <a:spcPts val="0"/>
+              </a:spcAft>
+              <a:buClrTx/>
+              <a:buSzTx/>
+              <a:buFontTx/>
+              <a:buNone/>
+              <a:tabLst/>
+              <a:defRPr/>
+            </a:pPr>
+            <a:r>
+              <a:rPr kumimoji="0" lang="en-US" sz="6000" b="0" i="0" u="none" strike="noStrike" kern="1200" cap="none" spc="0" normalizeH="0" baseline="0" noProof="0" dirty="0" smtClean="0">
+                <a:ln>
+                  <a:noFill/>
+                </a:ln>
+                <a:effectLst/>
+                <a:uLnTx/>
+                <a:uFillTx/>
+                <a:latin typeface="+mj-lt"/>
+                <a:ea typeface="+mj-ea"/>
+                <a:cs typeface="+mj-cs"/>
+              </a:rPr>
+              <a:t>Questions?</a:t>
+            </a:r>
+            <a:endParaRPr kumimoji="0" lang="en-US" sz="6000" b="0" i="0" u="none" strike="noStrike" kern="1200" cap="none" spc="0" normalizeH="0" baseline="0" noProof="0" dirty="0">
+              <a:ln>
+                <a:noFill/>
+              </a:ln>
+              <a:effectLst/>
+              <a:uLnTx/>
+              <a:uFillTx/>
+              <a:latin typeface="+mj-lt"/>
+              <a:ea typeface="+mj-ea"/>
+              <a:cs typeface="+mj-cs"/>
+            </a:endParaRPr>
           </a:p>
         </p:txBody>
       </p:sp>
@@ -7007,7 +7072,11 @@
           <a:bodyPr/>
           <a:lstStyle/>
           <a:p>
-            <a:endParaRPr lang="en-US"/>
+            <a:r>
+              <a:rPr lang="en-US" dirty="0" smtClean="0"/>
+              <a:t>Approach</a:t>
+            </a:r>
+            <a:endParaRPr lang="en-US" dirty="0"/>
           </a:p>
         </p:txBody>
       </p:sp>
@@ -7023,45 +7092,68 @@
         </p:nvSpPr>
         <p:spPr/>
         <p:txBody>
-          <a:bodyPr/>
-          <a:lstStyle/>
-          <a:p>
-            <a:pPr>
-              <a:buNone/>
-            </a:pPr>
+          <a:bodyPr>
+            <a:normAutofit/>
+          </a:bodyPr>
+          <a:lstStyle/>
+          <a:p>
             <a:r>
               <a:rPr lang="en-US" dirty="0" err="1" smtClean="0"/>
-              <a:t>Minecraft</a:t>
-            </a:r>
-            <a:r>
-              <a:rPr lang="en-US" dirty="0" smtClean="0"/>
-              <a:t>!</a:t>
-            </a:r>
-          </a:p>
-          <a:p>
-            <a:pPr>
-              <a:buNone/>
-            </a:pPr>
-            <a:endParaRPr lang="en-US" dirty="0" smtClean="0"/>
-          </a:p>
-          <a:p>
-            <a:pPr>
-              <a:buNone/>
-            </a:pPr>
-            <a:r>
-              <a:rPr lang="en-US" dirty="0" smtClean="0"/>
-              <a:t>Log on to:</a:t>
-            </a:r>
-          </a:p>
-          <a:p>
-            <a:pPr algn="ctr">
-              <a:buNone/>
-            </a:pPr>
-            <a:r>
-              <a:rPr lang="en-US" sz="7200" dirty="0" smtClean="0"/>
-              <a:t>aftbit.com</a:t>
-            </a:r>
-            <a:endParaRPr lang="en-US" sz="7200" dirty="0"/>
+              <a:t>OpenCL</a:t>
+            </a:r>
+            <a:r>
+              <a:rPr lang="en-US" dirty="0" smtClean="0"/>
+              <a:t>: hardware availability</a:t>
+            </a:r>
+          </a:p>
+          <a:p>
+            <a:r>
+              <a:rPr lang="en-US" dirty="0" smtClean="0"/>
+              <a:t>DAG most flexible, but hard to construct</a:t>
+            </a:r>
+          </a:p>
+          <a:p>
+            <a:pPr lvl="1"/>
+            <a:r>
+              <a:rPr lang="en-US" dirty="0" smtClean="0"/>
+              <a:t>Solution: restrict to directed trees</a:t>
+            </a:r>
+          </a:p>
+          <a:p>
+            <a:r>
+              <a:rPr lang="en-US" dirty="0" err="1" smtClean="0"/>
+              <a:t>OpenCL</a:t>
+            </a:r>
+            <a:r>
+              <a:rPr lang="en-US" dirty="0" smtClean="0"/>
+              <a:t> code is compiled at runtime, so why not generate at runtime?</a:t>
+            </a:r>
+          </a:p>
+          <a:p>
+            <a:r>
+              <a:rPr lang="en-US" dirty="0" smtClean="0"/>
+              <a:t>Python used to construct, compile, and run graphs.</a:t>
+            </a:r>
+          </a:p>
+          <a:p>
+            <a:r>
+              <a:rPr lang="en-US" dirty="0" smtClean="0"/>
+              <a:t>Trees created by populating stack</a:t>
+            </a:r>
+          </a:p>
+          <a:p>
+            <a:pPr lvl="1"/>
+            <a:r>
+              <a:rPr lang="en-US" dirty="0" smtClean="0"/>
+              <a:t>Easily design noise trees without a GUI</a:t>
+            </a:r>
+          </a:p>
+          <a:p>
+            <a:pPr lvl="1"/>
+            <a:r>
+              <a:rPr lang="en-US" dirty="0" smtClean="0"/>
+              <a:t>Easy to save and load trees from file</a:t>
+            </a:r>
           </a:p>
         </p:txBody>
       </p:sp>
@@ -7107,7 +7199,7 @@
           <a:p>
             <a:r>
               <a:rPr lang="en-US" dirty="0" smtClean="0"/>
-              <a:t>Approach</a:t>
+              <a:t>Approach (Cont’d)</a:t>
             </a:r>
             <a:endParaRPr lang="en-US" dirty="0"/>
           </a:p>
@@ -7125,80 +7217,56 @@
         </p:nvSpPr>
         <p:spPr/>
         <p:txBody>
-          <a:bodyPr>
-            <a:normAutofit/>
-          </a:bodyPr>
-          <a:lstStyle/>
-          <a:p>
+          <a:bodyPr/>
+          <a:lstStyle/>
+          <a:p>
+            <a:r>
+              <a:rPr lang="en-US" dirty="0" smtClean="0"/>
+              <a:t>Chunk the input to get around memory limitations</a:t>
+            </a:r>
+          </a:p>
+          <a:p>
+            <a:r>
+              <a:rPr lang="en-US" dirty="0" smtClean="0"/>
+              <a:t>Multiple kernel invocations</a:t>
+            </a:r>
+          </a:p>
+          <a:p>
+            <a:r>
+              <a:rPr lang="en-US" dirty="0" smtClean="0"/>
+              <a:t>“</a:t>
+            </a:r>
             <a:r>
               <a:rPr lang="en-US" dirty="0" err="1" smtClean="0"/>
-              <a:t>OpenCL</a:t>
-            </a:r>
-            <a:r>
-              <a:rPr lang="en-US" dirty="0" smtClean="0"/>
-              <a:t>: hardware availability</a:t>
-            </a:r>
-          </a:p>
-          <a:p>
-            <a:r>
-              <a:rPr lang="en-US" dirty="0" smtClean="0"/>
-              <a:t>DAG most flexible, but hard to construct</a:t>
+              <a:t>PointColor</a:t>
+            </a:r>
+            <a:r>
+              <a:rPr lang="en-US" dirty="0" smtClean="0"/>
+              <a:t>”</a:t>
             </a:r>
           </a:p>
           <a:p>
             <a:pPr lvl="1"/>
             <a:r>
               <a:rPr lang="en-US" dirty="0" smtClean="0"/>
-              <a:t>Solution: restrict to directed trees</a:t>
-            </a:r>
-          </a:p>
-          <a:p>
-            <a:r>
-              <a:rPr lang="en-US" dirty="0" err="1" smtClean="0"/>
-              <a:t>OpenCL</a:t>
-            </a:r>
-            <a:r>
-              <a:rPr lang="en-US" dirty="0" smtClean="0"/>
-              <a:t> code is compiled at runtime, so why not generate at runtime?</a:t>
-            </a:r>
-          </a:p>
-          <a:p>
-            <a:r>
-              <a:rPr lang="en-US" dirty="0" smtClean="0"/>
-              <a:t>Python used </a:t>
-            </a:r>
-            <a:r>
-              <a:rPr lang="en-US" dirty="0" smtClean="0"/>
-              <a:t>to construct, compile, and run graphs.</a:t>
-            </a:r>
-          </a:p>
-          <a:p>
-            <a:r>
-              <a:rPr lang="en-US" dirty="0" smtClean="0"/>
-              <a:t>Trees created by populating stack</a:t>
+              <a:t>Point (x, y, z, unused) – calculated by kernel</a:t>
             </a:r>
           </a:p>
           <a:p>
             <a:pPr lvl="1"/>
             <a:r>
               <a:rPr lang="en-US" dirty="0" smtClean="0"/>
-              <a:t>Easily </a:t>
-            </a:r>
-            <a:r>
-              <a:rPr lang="en-US" dirty="0" smtClean="0"/>
-              <a:t>design noise trees without a </a:t>
-            </a:r>
-            <a:r>
-              <a:rPr lang="en-US" dirty="0" smtClean="0"/>
-              <a:t>GUI</a:t>
-            </a:r>
-          </a:p>
-          <a:p>
-            <a:pPr lvl="1"/>
-            <a:r>
-              <a:rPr lang="en-US" dirty="0" smtClean="0"/>
-              <a:t>Easy to save and load trees from file</a:t>
-            </a:r>
+              <a:t>Color (r, g, b, a)</a:t>
+            </a:r>
+          </a:p>
+          <a:p>
+            <a:r>
+              <a:rPr lang="en-US" dirty="0" smtClean="0"/>
+              <a:t>Return array of RGBA vectors (float4) from GPU</a:t>
+            </a:r>
+          </a:p>
+          <a:p>
+            <a:endParaRPr lang="en-US" dirty="0"/>
           </a:p>
         </p:txBody>
       </p:sp>
@@ -7244,7 +7312,7 @@
           <a:p>
             <a:r>
               <a:rPr lang="en-US" dirty="0" smtClean="0"/>
-              <a:t>Approach (Cont’d)</a:t>
+              <a:t>Example Stack</a:t>
             </a:r>
             <a:endParaRPr lang="en-US" dirty="0"/>
           </a:p>
@@ -7262,59 +7330,343 @@
         </p:nvSpPr>
         <p:spPr/>
         <p:txBody>
-          <a:bodyPr/>
-          <a:lstStyle/>
-          <a:p>
-            <a:r>
-              <a:rPr lang="en-US" dirty="0" smtClean="0"/>
-              <a:t>Chunk the input to get around memory limitations</a:t>
-            </a:r>
-          </a:p>
-          <a:p>
-            <a:r>
-              <a:rPr lang="en-US" dirty="0" smtClean="0"/>
-              <a:t>Multiple kernel invocations</a:t>
-            </a:r>
-          </a:p>
-          <a:p>
-            <a:r>
-              <a:rPr lang="en-US" dirty="0" smtClean="0"/>
-              <a:t>“</a:t>
+          <a:bodyPr>
+            <a:normAutofit fontScale="62500" lnSpcReduction="20000"/>
+          </a:bodyPr>
+          <a:lstStyle/>
+          <a:p>
+            <a:r>
+              <a:rPr lang="en-US" smtClean="0"/>
+              <a:t>    </a:t>
             </a:r>
             <a:r>
               <a:rPr lang="en-US" dirty="0" err="1" smtClean="0"/>
-              <a:t>PointColor</a:t>
-            </a:r>
-            <a:r>
-              <a:rPr lang="en-US" dirty="0" smtClean="0"/>
-              <a:t>”</a:t>
-            </a:r>
-          </a:p>
-          <a:p>
-            <a:pPr lvl="1"/>
-            <a:r>
-              <a:rPr lang="en-US" dirty="0" smtClean="0"/>
-              <a:t>Point (x, y, z, unused) – calculated by kernel</a:t>
-            </a:r>
-          </a:p>
-          <a:p>
-            <a:pPr lvl="1"/>
-            <a:r>
-              <a:rPr lang="en-US" dirty="0" smtClean="0"/>
-              <a:t>Color (r, g, b, a)</a:t>
-            </a:r>
-          </a:p>
-          <a:p>
-            <a:r>
-              <a:rPr lang="en-US" dirty="0" smtClean="0"/>
-              <a:t>Return </a:t>
-            </a:r>
-            <a:r>
-              <a:rPr lang="en-US" dirty="0" smtClean="0"/>
-              <a:t>array of RGBA vectors (float4) from GPU</a:t>
-            </a:r>
-          </a:p>
-          <a:p>
+              <a:t>fs.push</a:t>
+            </a:r>
+            <a:r>
+              <a:rPr lang="en-US" dirty="0" smtClean="0"/>
+              <a:t>(</a:t>
+            </a:r>
+            <a:r>
+              <a:rPr lang="en-US" dirty="0" err="1" smtClean="0"/>
+              <a:t>cs</a:t>
+            </a:r>
+            <a:r>
+              <a:rPr lang="en-US" dirty="0" smtClean="0"/>
+              <a:t>)</a:t>
+            </a:r>
+          </a:p>
+          <a:p>
+            <a:r>
+              <a:rPr lang="en-US" dirty="0" smtClean="0"/>
+              <a:t>    </a:t>
+            </a:r>
+            <a:r>
+              <a:rPr lang="en-US" dirty="0" err="1" smtClean="0"/>
+              <a:t>fs.push</a:t>
+            </a:r>
+            <a:r>
+              <a:rPr lang="en-US" dirty="0" smtClean="0"/>
+              <a:t>(Worley(distance='</a:t>
+            </a:r>
+            <a:r>
+              <a:rPr lang="en-US" dirty="0" err="1" smtClean="0"/>
+              <a:t>manhattan</a:t>
+            </a:r>
+            <a:r>
+              <a:rPr lang="en-US" dirty="0" smtClean="0"/>
+              <a:t>', seed=809))</a:t>
+            </a:r>
+          </a:p>
+          <a:p>
+            <a:r>
+              <a:rPr lang="en-US" dirty="0" smtClean="0"/>
+              <a:t>    </a:t>
+            </a:r>
+            <a:r>
+              <a:rPr lang="en-US" dirty="0" err="1" smtClean="0"/>
+              <a:t>fs.push</a:t>
+            </a:r>
+            <a:r>
+              <a:rPr lang="en-US" dirty="0" smtClean="0"/>
+              <a:t>(</a:t>
+            </a:r>
+            <a:r>
+              <a:rPr lang="en-US" dirty="0" err="1" smtClean="0"/>
+              <a:t>cs</a:t>
+            </a:r>
+            <a:r>
+              <a:rPr lang="en-US" dirty="0" smtClean="0"/>
+              <a:t>)</a:t>
+            </a:r>
+          </a:p>
+          <a:p>
+            <a:r>
+              <a:rPr lang="en-US" dirty="0" smtClean="0"/>
+              <a:t>    </a:t>
+            </a:r>
+            <a:r>
+              <a:rPr lang="en-US" dirty="0" err="1" smtClean="0"/>
+              <a:t>fs.push</a:t>
+            </a:r>
+            <a:r>
+              <a:rPr lang="en-US" dirty="0" smtClean="0"/>
+              <a:t>(Worley(distance='</a:t>
+            </a:r>
+            <a:r>
+              <a:rPr lang="en-US" dirty="0" err="1" smtClean="0"/>
+              <a:t>manhattan</a:t>
+            </a:r>
+            <a:r>
+              <a:rPr lang="en-US" dirty="0" smtClean="0"/>
+              <a:t>', seed=908))</a:t>
+            </a:r>
+          </a:p>
+          <a:p>
+            <a:r>
+              <a:rPr lang="en-US" dirty="0" smtClean="0"/>
+              <a:t>    </a:t>
+            </a:r>
+            <a:r>
+              <a:rPr lang="en-US" dirty="0" err="1" smtClean="0"/>
+              <a:t>fs.push</a:t>
+            </a:r>
+            <a:r>
+              <a:rPr lang="en-US" dirty="0" smtClean="0"/>
+              <a:t>(</a:t>
+            </a:r>
+            <a:r>
+              <a:rPr lang="en-US" dirty="0" err="1" smtClean="0"/>
+              <a:t>cs</a:t>
+            </a:r>
+            <a:r>
+              <a:rPr lang="en-US" dirty="0" smtClean="0"/>
+              <a:t>)</a:t>
+            </a:r>
+          </a:p>
+          <a:p>
+            <a:r>
+              <a:rPr lang="en-US" dirty="0" smtClean="0"/>
+              <a:t>    </a:t>
+            </a:r>
+            <a:r>
+              <a:rPr lang="en-US" dirty="0" err="1" smtClean="0"/>
+              <a:t>fs.push</a:t>
+            </a:r>
+            <a:r>
+              <a:rPr lang="en-US" dirty="0" smtClean="0"/>
+              <a:t>(Worley(distance='</a:t>
+            </a:r>
+            <a:r>
+              <a:rPr lang="en-US" dirty="0" err="1" smtClean="0"/>
+              <a:t>manhattan</a:t>
+            </a:r>
+            <a:r>
+              <a:rPr lang="en-US" dirty="0" smtClean="0"/>
+              <a:t>'))</a:t>
+            </a:r>
+          </a:p>
+          <a:p>
+            <a:r>
+              <a:rPr lang="en-US" dirty="0" smtClean="0"/>
+              <a:t>    </a:t>
+            </a:r>
+            <a:r>
+              <a:rPr lang="en-US" dirty="0" err="1" smtClean="0"/>
+              <a:t>fs.push</a:t>
+            </a:r>
+            <a:r>
+              <a:rPr lang="en-US" dirty="0" smtClean="0"/>
+              <a:t>(</a:t>
+            </a:r>
+            <a:r>
+              <a:rPr lang="en-US" dirty="0" err="1" smtClean="0"/>
+              <a:t>cs</a:t>
+            </a:r>
+            <a:r>
+              <a:rPr lang="en-US" dirty="0" smtClean="0"/>
+              <a:t>)</a:t>
+            </a:r>
+          </a:p>
+          <a:p>
+            <a:r>
+              <a:rPr lang="en-US" dirty="0" smtClean="0"/>
+              <a:t>    </a:t>
+            </a:r>
+            <a:r>
+              <a:rPr lang="en-US" dirty="0" err="1" smtClean="0"/>
+              <a:t>fs.push</a:t>
+            </a:r>
+            <a:r>
+              <a:rPr lang="en-US" dirty="0" smtClean="0"/>
+              <a:t>(</a:t>
+            </a:r>
+            <a:r>
+              <a:rPr lang="en-US" dirty="0" err="1" smtClean="0"/>
+              <a:t>Perlin</a:t>
+            </a:r>
+            <a:r>
+              <a:rPr lang="en-US" dirty="0" smtClean="0"/>
+              <a:t>())</a:t>
+            </a:r>
+          </a:p>
+          <a:p>
+            <a:r>
+              <a:rPr lang="en-US" dirty="0" smtClean="0"/>
+              <a:t>    </a:t>
+            </a:r>
+            <a:r>
+              <a:rPr lang="en-US" dirty="0" err="1" smtClean="0"/>
+              <a:t>fs.push</a:t>
+            </a:r>
+            <a:r>
+              <a:rPr lang="en-US" dirty="0" smtClean="0"/>
+              <a:t>(</a:t>
+            </a:r>
+            <a:r>
+              <a:rPr lang="en-US" dirty="0" err="1" smtClean="0"/>
+              <a:t>cs</a:t>
+            </a:r>
+            <a:r>
+              <a:rPr lang="en-US" dirty="0" smtClean="0"/>
+              <a:t>)</a:t>
+            </a:r>
+          </a:p>
+          <a:p>
+            <a:r>
+              <a:rPr lang="en-US" dirty="0" smtClean="0"/>
+              <a:t>    </a:t>
+            </a:r>
+            <a:r>
+              <a:rPr lang="en-US" dirty="0" err="1" smtClean="0"/>
+              <a:t>fs.push</a:t>
+            </a:r>
+            <a:r>
+              <a:rPr lang="en-US" dirty="0" smtClean="0"/>
+              <a:t>(Worley(seed=666))</a:t>
+            </a:r>
+          </a:p>
+          <a:p>
+            <a:r>
+              <a:rPr lang="en-US" dirty="0" smtClean="0"/>
+              <a:t>    </a:t>
+            </a:r>
+            <a:r>
+              <a:rPr lang="en-US" dirty="0" err="1" smtClean="0"/>
+              <a:t>fs.push</a:t>
+            </a:r>
+            <a:r>
+              <a:rPr lang="en-US" dirty="0" smtClean="0"/>
+              <a:t>(Select())</a:t>
+            </a:r>
+          </a:p>
+          <a:p>
+            <a:r>
+              <a:rPr lang="en-US" dirty="0" smtClean="0"/>
+              <a:t>    </a:t>
+            </a:r>
+            <a:r>
+              <a:rPr lang="en-US" dirty="0" err="1" smtClean="0"/>
+              <a:t>fs.push</a:t>
+            </a:r>
+            <a:r>
+              <a:rPr lang="en-US" dirty="0" smtClean="0"/>
+              <a:t>(</a:t>
+            </a:r>
+            <a:r>
+              <a:rPr lang="en-US" dirty="0" err="1" smtClean="0"/>
+              <a:t>cs</a:t>
+            </a:r>
+            <a:r>
+              <a:rPr lang="en-US" dirty="0" smtClean="0"/>
+              <a:t>)</a:t>
+            </a:r>
+          </a:p>
+          <a:p>
+            <a:r>
+              <a:rPr lang="en-US" dirty="0" smtClean="0"/>
+              <a:t>    </a:t>
+            </a:r>
+            <a:r>
+              <a:rPr lang="en-US" dirty="0" err="1" smtClean="0"/>
+              <a:t>fs.push</a:t>
+            </a:r>
+            <a:r>
+              <a:rPr lang="en-US" dirty="0" smtClean="0"/>
+              <a:t>(</a:t>
+            </a:r>
+            <a:r>
+              <a:rPr lang="en-US" dirty="0" err="1" smtClean="0"/>
+              <a:t>Perlin</a:t>
+            </a:r>
+            <a:r>
+              <a:rPr lang="en-US" dirty="0" smtClean="0"/>
+              <a:t>(seed=897))</a:t>
+            </a:r>
+          </a:p>
+          <a:p>
+            <a:r>
+              <a:rPr lang="en-US" dirty="0" smtClean="0"/>
+              <a:t>    </a:t>
+            </a:r>
+            <a:r>
+              <a:rPr lang="en-US" dirty="0" err="1" smtClean="0"/>
+              <a:t>fs.push</a:t>
+            </a:r>
+            <a:r>
+              <a:rPr lang="en-US" dirty="0" smtClean="0"/>
+              <a:t>(Select())</a:t>
+            </a:r>
+          </a:p>
+          <a:p>
+            <a:r>
+              <a:rPr lang="en-US" dirty="0" smtClean="0"/>
+              <a:t>    </a:t>
+            </a:r>
+            <a:r>
+              <a:rPr lang="en-US" dirty="0" err="1" smtClean="0"/>
+              <a:t>fs.push</a:t>
+            </a:r>
+            <a:r>
+              <a:rPr lang="en-US" dirty="0" smtClean="0"/>
+              <a:t>(</a:t>
+            </a:r>
+            <a:r>
+              <a:rPr lang="en-US" dirty="0" err="1" smtClean="0"/>
+              <a:t>cs</a:t>
+            </a:r>
+            <a:r>
+              <a:rPr lang="en-US" dirty="0" smtClean="0"/>
+              <a:t>)</a:t>
+            </a:r>
+          </a:p>
+          <a:p>
+            <a:r>
+              <a:rPr lang="en-US" dirty="0" smtClean="0"/>
+              <a:t>    </a:t>
+            </a:r>
+            <a:r>
+              <a:rPr lang="en-US" dirty="0" err="1" smtClean="0"/>
+              <a:t>fs.push</a:t>
+            </a:r>
+            <a:r>
+              <a:rPr lang="en-US" dirty="0" smtClean="0"/>
+              <a:t>(Worley(seed=234))</a:t>
+            </a:r>
+          </a:p>
+          <a:p>
+            <a:r>
+              <a:rPr lang="en-US" dirty="0" smtClean="0"/>
+              <a:t>    </a:t>
+            </a:r>
+            <a:r>
+              <a:rPr lang="en-US" dirty="0" err="1" smtClean="0"/>
+              <a:t>fs.push</a:t>
+            </a:r>
+            <a:r>
+              <a:rPr lang="en-US" dirty="0" smtClean="0"/>
+              <a:t>(Select())</a:t>
+            </a:r>
             <a:endParaRPr lang="en-US" dirty="0"/>
           </a:p>
         </p:txBody>
@@ -7361,7 +7713,7 @@
           <a:p>
             <a:r>
               <a:rPr lang="en-US" dirty="0" smtClean="0"/>
-              <a:t>Example Stack</a:t>
+              <a:t>Results</a:t>
             </a:r>
             <a:endParaRPr lang="en-US" dirty="0"/>
           </a:p>
@@ -7369,7 +7721,7 @@
       </p:sp>
       <p:sp>
         <p:nvSpPr>
-          <p:cNvPr id="3" name="Content Placeholder 2"/>
+          <p:cNvPr id="5" name="Content Placeholder 4"/>
           <p:cNvSpPr>
             <a:spLocks noGrp="1"/>
           </p:cNvSpPr>
@@ -7379,378 +7731,51 @@
         </p:nvSpPr>
         <p:spPr/>
         <p:txBody>
-          <a:bodyPr>
-            <a:normAutofit fontScale="62500" lnSpcReduction="20000"/>
-          </a:bodyPr>
-          <a:lstStyle/>
-          <a:p>
-            <a:r>
-              <a:rPr lang="en-US" smtClean="0"/>
-              <a:t>    </a:t>
+          <a:bodyPr/>
+          <a:lstStyle/>
+          <a:p>
+            <a:r>
+              <a:rPr lang="en-US" dirty="0" smtClean="0"/>
+              <a:t>AMD has drivers supporting </a:t>
             </a:r>
             <a:r>
               <a:rPr lang="en-US" dirty="0" err="1" smtClean="0"/>
-              <a:t>fs.push</a:t>
-            </a:r>
-            <a:r>
-              <a:rPr lang="en-US" dirty="0" smtClean="0"/>
-              <a:t>(</a:t>
+              <a:t>OpenCL</a:t>
+            </a:r>
+            <a:r>
+              <a:rPr lang="en-US" dirty="0" smtClean="0"/>
+              <a:t> on </a:t>
             </a:r>
             <a:r>
               <a:rPr lang="en-US" dirty="0" err="1" smtClean="0"/>
-              <a:t>cs</a:t>
-            </a:r>
-            <a:r>
-              <a:rPr lang="en-US" dirty="0" smtClean="0"/>
-              <a:t>)</a:t>
-            </a:r>
-          </a:p>
-          <a:p>
-            <a:r>
-              <a:rPr lang="en-US" dirty="0" smtClean="0"/>
-              <a:t>    </a:t>
+              <a:t>Athlons</a:t>
+            </a:r>
+            <a:endParaRPr lang="en-US" dirty="0" smtClean="0"/>
+          </a:p>
+          <a:p>
+            <a:r>
+              <a:rPr lang="en-US" dirty="0" smtClean="0"/>
+              <a:t>Best alternative implementation </a:t>
             </a:r>
             <a:r>
               <a:rPr lang="en-US" dirty="0" err="1" smtClean="0"/>
-              <a:t>fs.push</a:t>
-            </a:r>
-            <a:r>
-              <a:rPr lang="en-US" dirty="0" smtClean="0"/>
-              <a:t>(Worley(distance</a:t>
-            </a:r>
-            <a:r>
-              <a:rPr lang="en-US" dirty="0" smtClean="0"/>
-              <a:t>='</a:t>
-            </a:r>
-            <a:r>
-              <a:rPr lang="en-US" dirty="0" err="1" smtClean="0"/>
-              <a:t>manhattan</a:t>
-            </a:r>
-            <a:r>
-              <a:rPr lang="en-US" dirty="0" smtClean="0"/>
-              <a:t>', seed=809))</a:t>
-            </a:r>
-          </a:p>
-          <a:p>
-            <a:r>
-              <a:rPr lang="en-US" dirty="0" smtClean="0"/>
-              <a:t>    </a:t>
-            </a:r>
-            <a:r>
-              <a:rPr lang="en-US" dirty="0" err="1" smtClean="0"/>
-              <a:t>fs.push</a:t>
-            </a:r>
-            <a:r>
-              <a:rPr lang="en-US" dirty="0" smtClean="0"/>
-              <a:t>(</a:t>
-            </a:r>
-            <a:r>
-              <a:rPr lang="en-US" dirty="0" err="1" smtClean="0"/>
-              <a:t>cs</a:t>
-            </a:r>
-            <a:r>
-              <a:rPr lang="en-US" dirty="0" smtClean="0"/>
-              <a:t>)</a:t>
-            </a:r>
-          </a:p>
-          <a:p>
-            <a:r>
-              <a:rPr lang="en-US" dirty="0" smtClean="0"/>
-              <a:t>    </a:t>
-            </a:r>
-            <a:r>
-              <a:rPr lang="en-US" dirty="0" err="1" smtClean="0"/>
-              <a:t>fs.push</a:t>
-            </a:r>
-            <a:r>
-              <a:rPr lang="en-US" dirty="0" smtClean="0"/>
-              <a:t>(Worley(distance</a:t>
-            </a:r>
-            <a:r>
-              <a:rPr lang="en-US" dirty="0" smtClean="0"/>
-              <a:t>='</a:t>
-            </a:r>
-            <a:r>
-              <a:rPr lang="en-US" dirty="0" err="1" smtClean="0"/>
-              <a:t>manhattan</a:t>
-            </a:r>
-            <a:r>
-              <a:rPr lang="en-US" dirty="0" smtClean="0"/>
-              <a:t>', seed=908))</a:t>
-            </a:r>
-          </a:p>
-          <a:p>
-            <a:r>
-              <a:rPr lang="en-US" dirty="0" smtClean="0"/>
-              <a:t>    </a:t>
-            </a:r>
-            <a:r>
-              <a:rPr lang="en-US" dirty="0" err="1" smtClean="0"/>
-              <a:t>fs.push</a:t>
-            </a:r>
-            <a:r>
-              <a:rPr lang="en-US" dirty="0" smtClean="0"/>
-              <a:t>(</a:t>
-            </a:r>
-            <a:r>
-              <a:rPr lang="en-US" dirty="0" err="1" smtClean="0"/>
-              <a:t>cs</a:t>
-            </a:r>
-            <a:r>
-              <a:rPr lang="en-US" dirty="0" smtClean="0"/>
-              <a:t>)</a:t>
-            </a:r>
-          </a:p>
-          <a:p>
-            <a:r>
-              <a:rPr lang="en-US" dirty="0" smtClean="0"/>
-              <a:t>    </a:t>
-            </a:r>
-            <a:r>
-              <a:rPr lang="en-US" dirty="0" err="1" smtClean="0"/>
-              <a:t>fs.push</a:t>
-            </a:r>
-            <a:r>
-              <a:rPr lang="en-US" dirty="0" smtClean="0"/>
-              <a:t>(Worley(distance</a:t>
-            </a:r>
-            <a:r>
-              <a:rPr lang="en-US" dirty="0" smtClean="0"/>
-              <a:t>='</a:t>
-            </a:r>
-            <a:r>
-              <a:rPr lang="en-US" dirty="0" err="1" smtClean="0"/>
-              <a:t>manhattan</a:t>
-            </a:r>
-            <a:r>
-              <a:rPr lang="en-US" dirty="0" smtClean="0"/>
-              <a:t>'))</a:t>
-            </a:r>
-          </a:p>
-          <a:p>
-            <a:r>
-              <a:rPr lang="en-US" dirty="0" smtClean="0"/>
-              <a:t>    </a:t>
-            </a:r>
-            <a:r>
-              <a:rPr lang="en-US" dirty="0" err="1" smtClean="0"/>
-              <a:t>fs.push</a:t>
-            </a:r>
-            <a:r>
-              <a:rPr lang="en-US" dirty="0" smtClean="0"/>
-              <a:t>(</a:t>
-            </a:r>
-            <a:r>
-              <a:rPr lang="en-US" dirty="0" err="1" smtClean="0"/>
-              <a:t>cs</a:t>
-            </a:r>
-            <a:r>
-              <a:rPr lang="en-US" dirty="0" smtClean="0"/>
-              <a:t>)</a:t>
-            </a:r>
-          </a:p>
-          <a:p>
-            <a:r>
-              <a:rPr lang="en-US" dirty="0" smtClean="0"/>
-              <a:t>    </a:t>
-            </a:r>
-            <a:r>
-              <a:rPr lang="en-US" dirty="0" err="1" smtClean="0"/>
-              <a:t>fs.push</a:t>
-            </a:r>
-            <a:r>
-              <a:rPr lang="en-US" dirty="0" smtClean="0"/>
-              <a:t>(</a:t>
-            </a:r>
-            <a:r>
-              <a:rPr lang="en-US" dirty="0" err="1" smtClean="0"/>
-              <a:t>Perlin</a:t>
-            </a:r>
-            <a:r>
-              <a:rPr lang="en-US" dirty="0" smtClean="0"/>
-              <a:t>())</a:t>
-            </a:r>
-          </a:p>
-          <a:p>
-            <a:r>
-              <a:rPr lang="en-US" dirty="0" smtClean="0"/>
-              <a:t>    </a:t>
-            </a:r>
-            <a:r>
-              <a:rPr lang="en-US" dirty="0" err="1" smtClean="0"/>
-              <a:t>fs.push</a:t>
-            </a:r>
-            <a:r>
-              <a:rPr lang="en-US" dirty="0" smtClean="0"/>
-              <a:t>(</a:t>
-            </a:r>
-            <a:r>
-              <a:rPr lang="en-US" dirty="0" err="1" smtClean="0"/>
-              <a:t>cs</a:t>
-            </a:r>
-            <a:r>
-              <a:rPr lang="en-US" dirty="0" smtClean="0"/>
-              <a:t>)</a:t>
-            </a:r>
-          </a:p>
-          <a:p>
-            <a:r>
-              <a:rPr lang="en-US" dirty="0" smtClean="0"/>
-              <a:t>    </a:t>
-            </a:r>
-            <a:r>
-              <a:rPr lang="en-US" dirty="0" err="1" smtClean="0"/>
-              <a:t>fs.push</a:t>
-            </a:r>
-            <a:r>
-              <a:rPr lang="en-US" dirty="0" smtClean="0"/>
-              <a:t>(Worley(seed=666</a:t>
-            </a:r>
-            <a:r>
-              <a:rPr lang="en-US" dirty="0" smtClean="0"/>
-              <a:t>))</a:t>
-            </a:r>
-          </a:p>
-          <a:p>
-            <a:r>
-              <a:rPr lang="en-US" dirty="0" smtClean="0"/>
-              <a:t>    </a:t>
-            </a:r>
-            <a:r>
-              <a:rPr lang="en-US" dirty="0" err="1" smtClean="0"/>
-              <a:t>fs.push</a:t>
-            </a:r>
-            <a:r>
-              <a:rPr lang="en-US" dirty="0" smtClean="0"/>
-              <a:t>(Select</a:t>
-            </a:r>
-            <a:r>
-              <a:rPr lang="en-US" dirty="0" smtClean="0"/>
-              <a:t>())</a:t>
-            </a:r>
-          </a:p>
-          <a:p>
-            <a:r>
-              <a:rPr lang="en-US" dirty="0" smtClean="0"/>
-              <a:t>    </a:t>
-            </a:r>
-            <a:r>
-              <a:rPr lang="en-US" dirty="0" err="1" smtClean="0"/>
-              <a:t>fs.push</a:t>
-            </a:r>
-            <a:r>
-              <a:rPr lang="en-US" dirty="0" smtClean="0"/>
-              <a:t>(</a:t>
-            </a:r>
-            <a:r>
-              <a:rPr lang="en-US" dirty="0" err="1" smtClean="0"/>
-              <a:t>cs</a:t>
-            </a:r>
-            <a:r>
-              <a:rPr lang="en-US" dirty="0" smtClean="0"/>
-              <a:t>)</a:t>
-            </a:r>
-          </a:p>
-          <a:p>
-            <a:r>
-              <a:rPr lang="en-US" dirty="0" smtClean="0"/>
-              <a:t>    </a:t>
-            </a:r>
-            <a:r>
-              <a:rPr lang="en-US" dirty="0" err="1" smtClean="0"/>
-              <a:t>fs.push</a:t>
-            </a:r>
-            <a:r>
-              <a:rPr lang="en-US" dirty="0" smtClean="0"/>
-              <a:t>(</a:t>
-            </a:r>
-            <a:r>
-              <a:rPr lang="en-US" dirty="0" err="1" smtClean="0"/>
-              <a:t>Perlin</a:t>
-            </a:r>
-            <a:r>
-              <a:rPr lang="en-US" dirty="0" smtClean="0"/>
-              <a:t>(seed=897</a:t>
-            </a:r>
-            <a:r>
-              <a:rPr lang="en-US" dirty="0" smtClean="0"/>
-              <a:t>))</a:t>
-            </a:r>
-          </a:p>
-          <a:p>
-            <a:r>
-              <a:rPr lang="en-US" dirty="0" smtClean="0"/>
-              <a:t>    </a:t>
-            </a:r>
-            <a:r>
-              <a:rPr lang="en-US" dirty="0" err="1" smtClean="0"/>
-              <a:t>fs.push</a:t>
-            </a:r>
-            <a:r>
-              <a:rPr lang="en-US" dirty="0" smtClean="0"/>
-              <a:t>(Select</a:t>
-            </a:r>
-            <a:r>
-              <a:rPr lang="en-US" dirty="0" smtClean="0"/>
-              <a:t>())</a:t>
-            </a:r>
-          </a:p>
-          <a:p>
-            <a:r>
-              <a:rPr lang="en-US" dirty="0" smtClean="0"/>
-              <a:t>    </a:t>
-            </a:r>
-            <a:r>
-              <a:rPr lang="en-US" dirty="0" err="1" smtClean="0"/>
-              <a:t>fs.push</a:t>
-            </a:r>
-            <a:r>
-              <a:rPr lang="en-US" dirty="0" smtClean="0"/>
-              <a:t>(</a:t>
-            </a:r>
-            <a:r>
-              <a:rPr lang="en-US" dirty="0" err="1" smtClean="0"/>
-              <a:t>cs</a:t>
-            </a:r>
-            <a:r>
-              <a:rPr lang="en-US" dirty="0" smtClean="0"/>
-              <a:t>)</a:t>
-            </a:r>
-          </a:p>
-          <a:p>
-            <a:r>
-              <a:rPr lang="en-US" dirty="0" smtClean="0"/>
-              <a:t>    </a:t>
-            </a:r>
-            <a:r>
-              <a:rPr lang="en-US" dirty="0" err="1" smtClean="0"/>
-              <a:t>fs.push</a:t>
-            </a:r>
-            <a:r>
-              <a:rPr lang="en-US" dirty="0" smtClean="0"/>
-              <a:t>(Worley(seed=234</a:t>
-            </a:r>
-            <a:r>
-              <a:rPr lang="en-US" dirty="0" smtClean="0"/>
-              <a:t>))</a:t>
-            </a:r>
-          </a:p>
-          <a:p>
-            <a:r>
-              <a:rPr lang="en-US" dirty="0" smtClean="0"/>
-              <a:t>    </a:t>
-            </a:r>
-            <a:r>
-              <a:rPr lang="en-US" dirty="0" err="1" smtClean="0"/>
-              <a:t>fs.push</a:t>
-            </a:r>
-            <a:r>
-              <a:rPr lang="en-US" dirty="0" smtClean="0"/>
-              <a:t>(Select</a:t>
-            </a:r>
-            <a:r>
-              <a:rPr lang="en-US" dirty="0" smtClean="0"/>
-              <a:t>())</a:t>
+              <a:t>libnoise</a:t>
+            </a:r>
+            <a:r>
+              <a:rPr lang="en-US" dirty="0" smtClean="0"/>
+              <a:t> limited</a:t>
+            </a:r>
+          </a:p>
+          <a:p>
+            <a:r>
+              <a:rPr lang="en-US" dirty="0" smtClean="0"/>
+              <a:t>Therefore, compare our own code running on CPU to GPU run times</a:t>
+            </a:r>
+          </a:p>
+          <a:p>
+            <a:r>
+              <a:rPr lang="en-US" dirty="0" smtClean="0"/>
+              <a:t>Not true sequential – dual core CPU</a:t>
             </a:r>
             <a:endParaRPr lang="en-US" dirty="0"/>
           </a:p>
@@ -7791,83 +7816,127 @@
             <p:ph type="title"/>
           </p:nvPr>
         </p:nvSpPr>
-        <p:spPr/>
+        <p:spPr>
+          <a:xfrm>
+            <a:off x="2743200" y="5638800"/>
+            <a:ext cx="8534400" cy="758952"/>
+          </a:xfrm>
+        </p:spPr>
         <p:txBody>
           <a:bodyPr/>
           <a:lstStyle/>
           <a:p>
             <a:r>
-              <a:rPr lang="en-US" dirty="0" smtClean="0"/>
+              <a:rPr lang="en-US" dirty="0" smtClean="0">
+                <a:solidFill>
+                  <a:schemeClr val="tx1"/>
+                </a:solidFill>
+              </a:rPr>
+              <a:t>20x Speedup !</a:t>
+            </a:r>
+            <a:endParaRPr lang="en-US" dirty="0">
+              <a:solidFill>
+                <a:schemeClr val="tx1"/>
+              </a:solidFill>
+            </a:endParaRPr>
+          </a:p>
+        </p:txBody>
+      </p:sp>
+      <p:graphicFrame>
+        <p:nvGraphicFramePr>
+          <p:cNvPr id="4" name="Content Placeholder 3"/>
+          <p:cNvGraphicFramePr>
+            <a:graphicFrameLocks noGrp="1"/>
+          </p:cNvGraphicFramePr>
+          <p:nvPr>
+            <p:ph sz="quarter" idx="1"/>
+          </p:nvPr>
+        </p:nvGraphicFramePr>
+        <p:xfrm>
+          <a:off x="301625" y="1527175"/>
+          <a:ext cx="8504238" cy="4572000"/>
+        </p:xfrm>
+        <a:graphic>
+          <a:graphicData uri="http://schemas.openxmlformats.org/drawingml/2006/chart">
+            <c:chart xmlns:c="http://schemas.openxmlformats.org/drawingml/2006/chart" xmlns:r="http://schemas.openxmlformats.org/officeDocument/2006/relationships" r:id="rId2"/>
+          </a:graphicData>
+        </a:graphic>
+      </p:graphicFrame>
+      <p:sp>
+        <p:nvSpPr>
+          <p:cNvPr id="5" name="Title 1"/>
+          <p:cNvSpPr txBox="1">
+            <a:spLocks/>
+          </p:cNvSpPr>
+          <p:nvPr/>
+        </p:nvSpPr>
+        <p:spPr>
+          <a:xfrm>
+            <a:off x="304800" y="228600"/>
+            <a:ext cx="8534400" cy="758952"/>
+          </a:xfrm>
+          <a:prstGeom prst="rect">
+            <a:avLst/>
+          </a:prstGeom>
+        </p:spPr>
+        <p:txBody>
+          <a:bodyPr vert="horz" anchor="b">
+            <a:normAutofit/>
+          </a:bodyPr>
+          <a:lstStyle/>
+          <a:p>
+            <a:pPr marL="0" marR="0" lvl="0" indent="0" algn="ctr" defTabSz="914400" rtl="0" eaLnBrk="1" fontAlgn="auto" latinLnBrk="0" hangingPunct="1">
+              <a:lnSpc>
+                <a:spcPct val="100000"/>
+              </a:lnSpc>
+              <a:spcBef>
+                <a:spcPct val="0"/>
+              </a:spcBef>
+              <a:spcAft>
+                <a:spcPts val="0"/>
+              </a:spcAft>
+              <a:buClrTx/>
+              <a:buSzTx/>
+              <a:buFontTx/>
+              <a:buNone/>
+              <a:tabLst/>
+              <a:defRPr/>
+            </a:pPr>
+            <a:r>
+              <a:rPr kumimoji="0" lang="en-US" sz="3300" b="0" i="0" u="none" strike="noStrike" kern="1200" cap="none" spc="0" normalizeH="0" baseline="0" noProof="0" dirty="0" smtClean="0">
+                <a:ln>
+                  <a:noFill/>
+                </a:ln>
+                <a:solidFill>
+                  <a:schemeClr val="accent3">
+                    <a:shade val="75000"/>
+                  </a:schemeClr>
+                </a:solidFill>
+                <a:effectLst/>
+                <a:uLnTx/>
+                <a:uFillTx/>
+                <a:latin typeface="+mj-lt"/>
+                <a:ea typeface="+mj-ea"/>
+                <a:cs typeface="+mj-cs"/>
+              </a:rPr>
               <a:t>Results</a:t>
             </a:r>
-            <a:endParaRPr lang="en-US" dirty="0"/>
-          </a:p>
-        </p:txBody>
-      </p:sp>
-      <p:sp>
-        <p:nvSpPr>
-          <p:cNvPr id="5" name="Content Placeholder 4"/>
-          <p:cNvSpPr>
-            <a:spLocks noGrp="1"/>
-          </p:cNvSpPr>
-          <p:nvPr>
-            <p:ph sz="quarter" idx="1"/>
-          </p:nvPr>
-        </p:nvSpPr>
-        <p:spPr/>
-        <p:txBody>
-          <a:bodyPr/>
-          <a:lstStyle/>
-          <a:p>
-            <a:r>
-              <a:rPr lang="en-US" dirty="0" smtClean="0"/>
-              <a:t>AMD has drivers supporting </a:t>
-            </a:r>
-            <a:r>
-              <a:rPr lang="en-US" dirty="0" err="1" smtClean="0"/>
-              <a:t>OpenCL</a:t>
-            </a:r>
-            <a:r>
-              <a:rPr lang="en-US" dirty="0" smtClean="0"/>
-              <a:t> on </a:t>
-            </a:r>
-            <a:r>
-              <a:rPr lang="en-US" dirty="0" err="1" smtClean="0"/>
-              <a:t>Athlon</a:t>
-            </a:r>
-            <a:r>
-              <a:rPr lang="en-US" dirty="0" err="1" smtClean="0"/>
-              <a:t>s</a:t>
-            </a:r>
-            <a:endParaRPr lang="en-US" dirty="0" smtClean="0"/>
-          </a:p>
-          <a:p>
-            <a:r>
-              <a:rPr lang="en-US" dirty="0" smtClean="0"/>
-              <a:t>Best alternative implementation </a:t>
-            </a:r>
-            <a:r>
-              <a:rPr lang="en-US" dirty="0" err="1" smtClean="0"/>
-              <a:t>libnoise</a:t>
-            </a:r>
-            <a:r>
-              <a:rPr lang="en-US" dirty="0" smtClean="0"/>
-              <a:t> limited</a:t>
-            </a:r>
-          </a:p>
-          <a:p>
-            <a:r>
-              <a:rPr lang="en-US" dirty="0" smtClean="0"/>
-              <a:t>Therefore, compare our own code running on CPU to GPU run times</a:t>
-            </a:r>
-            <a:endParaRPr lang="en-US" dirty="0" smtClean="0"/>
-          </a:p>
-          <a:p>
-            <a:r>
-              <a:rPr lang="en-US" dirty="0" smtClean="0"/>
-              <a:t>Not true sequential – dual core CPU</a:t>
-            </a:r>
-            <a:endParaRPr lang="en-US" dirty="0"/>
+            <a:endParaRPr kumimoji="0" lang="en-US" sz="3300" b="0" i="0" u="none" strike="noStrike" kern="1200" cap="none" spc="0" normalizeH="0" baseline="0" noProof="0" dirty="0">
+              <a:ln>
+                <a:noFill/>
+              </a:ln>
+              <a:solidFill>
+                <a:schemeClr val="accent3">
+                  <a:shade val="75000"/>
+                </a:schemeClr>
+              </a:solidFill>
+              <a:effectLst/>
+              <a:uLnTx/>
+              <a:uFillTx/>
+              <a:latin typeface="+mj-lt"/>
+              <a:ea typeface="+mj-ea"/>
+              <a:cs typeface="+mj-cs"/>
+            </a:endParaRPr>
           </a:p>
         </p:txBody>
       </p:sp>
@@ -7906,127 +7975,80 @@
             <p:ph type="title"/>
           </p:nvPr>
         </p:nvSpPr>
-        <p:spPr>
-          <a:xfrm>
-            <a:off x="2743200" y="5638800"/>
-            <a:ext cx="8534400" cy="758952"/>
-          </a:xfrm>
-        </p:spPr>
+        <p:spPr/>
         <p:txBody>
           <a:bodyPr/>
           <a:lstStyle/>
           <a:p>
+            <a:r>
+              <a:rPr lang="en-US" dirty="0" smtClean="0"/>
+              <a:t>Improvements</a:t>
+            </a:r>
+            <a:endParaRPr lang="en-US" dirty="0"/>
+          </a:p>
+        </p:txBody>
+      </p:sp>
+      <p:sp>
+        <p:nvSpPr>
+          <p:cNvPr id="5" name="Content Placeholder 4"/>
+          <p:cNvSpPr>
+            <a:spLocks noGrp="1"/>
+          </p:cNvSpPr>
+          <p:nvPr>
+            <p:ph sz="quarter" idx="1"/>
+          </p:nvPr>
+        </p:nvSpPr>
+        <p:spPr/>
+        <p:txBody>
+          <a:bodyPr/>
+          <a:lstStyle/>
+          <a:p>
+            <a:pPr marL="514350" indent="-514350">
+              <a:buFont typeface="+mj-lt"/>
+              <a:buAutoNum type="arabicPeriod"/>
+            </a:pPr>
+            <a:r>
+              <a:rPr lang="en-US" dirty="0" smtClean="0"/>
+              <a:t>Adjust global work size</a:t>
+            </a:r>
+          </a:p>
+          <a:p>
+            <a:pPr marL="788670" lvl="1" indent="-514350">
+              <a:buFont typeface="+mj-lt"/>
+              <a:buAutoNum type="arabicPeriod"/>
+            </a:pPr>
             <a:r>
               <a:rPr lang="en-US" dirty="0" smtClean="0">
                 <a:solidFill>
                   <a:schemeClr val="tx1"/>
                 </a:solidFill>
               </a:rPr>
-              <a:t>20x Speedup !</a:t>
-            </a:r>
-            <a:endParaRPr lang="en-US" dirty="0">
-              <a:solidFill>
-                <a:schemeClr val="tx1"/>
-              </a:solidFill>
-            </a:endParaRPr>
-          </a:p>
-        </p:txBody>
-      </p:sp>
-      <p:graphicFrame>
-        <p:nvGraphicFramePr>
-          <p:cNvPr id="4" name="Content Placeholder 3"/>
-          <p:cNvGraphicFramePr>
-            <a:graphicFrameLocks noGrp="1"/>
-          </p:cNvGraphicFramePr>
-          <p:nvPr>
-            <p:ph sz="quarter" idx="1"/>
-          </p:nvPr>
-        </p:nvGraphicFramePr>
-        <p:xfrm>
-          <a:off x="301625" y="1527175"/>
-          <a:ext cx="8504238" cy="4572000"/>
-        </p:xfrm>
-        <a:graphic>
-          <a:graphicData uri="http://schemas.openxmlformats.org/drawingml/2006/chart">
-            <c:chart xmlns:c="http://schemas.openxmlformats.org/drawingml/2006/chart" xmlns:r="http://schemas.openxmlformats.org/officeDocument/2006/relationships" r:id="rId2"/>
-          </a:graphicData>
-        </a:graphic>
-      </p:graphicFrame>
-      <p:sp>
-        <p:nvSpPr>
-          <p:cNvPr id="5" name="Title 1"/>
-          <p:cNvSpPr txBox="1">
-            <a:spLocks/>
-          </p:cNvSpPr>
-          <p:nvPr/>
-        </p:nvSpPr>
-        <p:spPr>
-          <a:xfrm>
-            <a:off x="454152" y="381000"/>
-            <a:ext cx="8534400" cy="758952"/>
-          </a:xfrm>
-          <a:prstGeom prst="rect">
-            <a:avLst/>
-          </a:prstGeom>
-        </p:spPr>
-        <p:txBody>
-          <a:bodyPr vert="horz" anchor="b">
-            <a:normAutofit/>
-          </a:bodyPr>
-          <a:lstStyle/>
-          <a:p>
-            <a:pPr marL="0" marR="0" lvl="0" indent="0" algn="ctr" defTabSz="914400" rtl="0" eaLnBrk="1" fontAlgn="auto" latinLnBrk="0" hangingPunct="1">
-              <a:lnSpc>
-                <a:spcPct val="100000"/>
-              </a:lnSpc>
-              <a:spcBef>
-                <a:spcPct val="0"/>
-              </a:spcBef>
-              <a:spcAft>
-                <a:spcPts val="0"/>
-              </a:spcAft>
-              <a:buClrTx/>
-              <a:buSzTx/>
-              <a:buFontTx/>
-              <a:buNone/>
-              <a:tabLst/>
-              <a:defRPr/>
+              <a:t>Initially: used constant (2048) </a:t>
+            </a:r>
+          </a:p>
+          <a:p>
+            <a:pPr marL="788670" lvl="1" indent="-514350">
+              <a:buFont typeface="+mj-lt"/>
+              <a:buAutoNum type="arabicPeriod"/>
             </a:pPr>
             <a:r>
-              <a:rPr kumimoji="0" lang="en-US" sz="3300" b="0" i="0" u="none" strike="noStrike" kern="1200" cap="none" spc="0" normalizeH="0" baseline="0" noProof="0" dirty="0" smtClean="0">
-                <a:ln>
-                  <a:noFill/>
-                </a:ln>
+              <a:rPr lang="en-US" dirty="0" smtClean="0">
                 <a:solidFill>
-                  <a:schemeClr val="accent3">
-                    <a:shade val="75000"/>
-                  </a:schemeClr>
+                  <a:schemeClr val="tx1"/>
                 </a:solidFill>
-                <a:effectLst/>
-                <a:uLnTx/>
-                <a:uFillTx/>
-                <a:latin typeface="+mj-lt"/>
-                <a:ea typeface="+mj-ea"/>
-                <a:cs typeface="+mj-cs"/>
               </a:rPr>
-              <a:t>Results</a:t>
-            </a:r>
-            <a:endParaRPr kumimoji="0" lang="en-US" sz="3300" b="0" i="0" u="none" strike="noStrike" kern="1200" cap="none" spc="0" normalizeH="0" baseline="0" noProof="0" dirty="0">
-              <a:ln>
-                <a:noFill/>
-              </a:ln>
-              <a:solidFill>
-                <a:schemeClr val="accent3">
-                  <a:shade val="75000"/>
-                </a:schemeClr>
-              </a:solidFill>
-              <a:effectLst/>
-              <a:uLnTx/>
-              <a:uFillTx/>
-              <a:latin typeface="+mj-lt"/>
-              <a:ea typeface="+mj-ea"/>
-              <a:cs typeface="+mj-cs"/>
-            </a:endParaRPr>
+              <a:t>Optimized: limited by the available memory</a:t>
+            </a:r>
+          </a:p>
+          <a:p>
+            <a:pPr marL="514350" indent="-514350">
+              <a:buFont typeface="+mj-lt"/>
+              <a:buAutoNum type="arabicPeriod"/>
+            </a:pPr>
+            <a:r>
+              <a:rPr lang="en-US" dirty="0" smtClean="0"/>
+              <a:t>Return (optionally) byte4 rather than float4 from GPU</a:t>
+            </a:r>
           </a:p>
         </p:txBody>
       </p:sp>

--- a/docs/Presentation.pptx
+++ b/docs/Presentation.pptx
@@ -221,24 +221,24 @@
             </c:numRef>
           </c:val>
         </c:ser>
-        <c:axId val="60483840"/>
-        <c:axId val="61870080"/>
+        <c:axId val="48683264"/>
+        <c:axId val="48685056"/>
       </c:barChart>
       <c:catAx>
-        <c:axId val="60483840"/>
+        <c:axId val="48683264"/>
         <c:scaling>
           <c:orientation val="minMax"/>
         </c:scaling>
         <c:axPos val="b"/>
         <c:tickLblPos val="nextTo"/>
-        <c:crossAx val="61870080"/>
+        <c:crossAx val="48685056"/>
         <c:crosses val="autoZero"/>
         <c:auto val="1"/>
         <c:lblAlgn val="ctr"/>
         <c:lblOffset val="100"/>
       </c:catAx>
       <c:valAx>
-        <c:axId val="61870080"/>
+        <c:axId val="48685056"/>
         <c:scaling>
           <c:orientation val="minMax"/>
           <c:min val="0"/>
@@ -265,7 +265,7 @@
         </c:title>
         <c:numFmt formatCode="0.00" sourceLinked="1"/>
         <c:tickLblPos val="nextTo"/>
-        <c:crossAx val="60483840"/>
+        <c:crossAx val="48683264"/>
         <c:crosses val="autoZero"/>
         <c:crossBetween val="between"/>
       </c:valAx>
@@ -311,7 +311,7 @@
           <c:xMode val="edge"/>
           <c:yMode val="edge"/>
           <c:x val="0.11545144356955382"/>
-          <c:y val="3.2407407407407447E-2"/>
+          <c:y val="3.2407407407407454E-2"/>
         </c:manualLayout>
       </c:layout>
     </c:title>
@@ -358,7 +358,7 @@
                 <c:formatCode>0.00</c:formatCode>
                 <c:ptCount val="3"/>
                 <c:pt idx="0">
-                  <c:v>130.30602600000009</c:v>
+                  <c:v>130.30602600000012</c:v>
                 </c:pt>
                 <c:pt idx="1">
                   <c:v>63.991622000000007</c:v>
@@ -370,24 +370,24 @@
             </c:numRef>
           </c:val>
         </c:ser>
-        <c:axId val="61887616"/>
-        <c:axId val="61889152"/>
+        <c:axId val="49091712"/>
+        <c:axId val="49093248"/>
       </c:barChart>
       <c:catAx>
-        <c:axId val="61887616"/>
+        <c:axId val="49091712"/>
         <c:scaling>
           <c:orientation val="minMax"/>
         </c:scaling>
         <c:axPos val="b"/>
         <c:tickLblPos val="nextTo"/>
-        <c:crossAx val="61889152"/>
+        <c:crossAx val="49093248"/>
         <c:crosses val="autoZero"/>
         <c:auto val="1"/>
         <c:lblAlgn val="ctr"/>
         <c:lblOffset val="100"/>
       </c:catAx>
       <c:valAx>
-        <c:axId val="61889152"/>
+        <c:axId val="49093248"/>
         <c:scaling>
           <c:orientation val="minMax"/>
           <c:min val="0"/>
@@ -414,7 +414,7 @@
         </c:title>
         <c:numFmt formatCode="0.00" sourceLinked="1"/>
         <c:tickLblPos val="nextTo"/>
-        <c:crossAx val="61887616"/>
+        <c:crossAx val="49091712"/>
         <c:crosses val="autoZero"/>
         <c:crossBetween val="between"/>
       </c:valAx>
@@ -6706,9 +6706,52 @@
             <a:pPr lvl="1"/>
             <a:r>
               <a:rPr lang="en-US" dirty="0" smtClean="0"/>
-              <a:t>Algorithms chosen to avoid any global operations</a:t>
-            </a:r>
-            <a:endParaRPr lang="en-US" dirty="0"/>
+              <a:t>Algorithms chosen to avoid any global </a:t>
+            </a:r>
+            <a:r>
+              <a:rPr lang="en-US" dirty="0" smtClean="0"/>
+              <a:t>operations</a:t>
+            </a:r>
+          </a:p>
+          <a:p>
+            <a:pPr>
+              <a:buNone/>
+            </a:pPr>
+            <a:endParaRPr lang="en-US" dirty="0" smtClean="0"/>
+          </a:p>
+          <a:p>
+            <a:pPr>
+              <a:buNone/>
+            </a:pPr>
+            <a:endParaRPr lang="en-US" dirty="0" smtClean="0"/>
+          </a:p>
+          <a:p>
+            <a:pPr>
+              <a:buNone/>
+            </a:pPr>
+            <a:endParaRPr lang="en-US" dirty="0" smtClean="0"/>
+          </a:p>
+          <a:p>
+            <a:pPr>
+              <a:buNone/>
+            </a:pPr>
+            <a:endParaRPr lang="en-US" smtClean="0"/>
+          </a:p>
+          <a:p>
+            <a:pPr>
+              <a:buNone/>
+            </a:pPr>
+            <a:endParaRPr lang="en-US" dirty="0" smtClean="0"/>
+          </a:p>
+          <a:p>
+            <a:pPr algn="ctr">
+              <a:buNone/>
+            </a:pPr>
+            <a:r>
+              <a:rPr lang="en-US" sz="2400" dirty="0" smtClean="0"/>
+              <a:t>http://github.com/freethenation/openclnoise</a:t>
+            </a:r>
+            <a:endParaRPr lang="en-US" sz="2400" dirty="0"/>
           </a:p>
         </p:txBody>
       </p:sp>
